--- a/egyetemi_feleves_cuccok/4_szemeszter/üzleti_intelligencia/prezentáció.pptx
+++ b/egyetemi_feleves_cuccok/4_szemeszter/üzleti_intelligencia/prezentáció.pptx
@@ -14,11 +14,20 @@
     <p:sldId id="261" r:id="rId8"/>
     <p:sldId id="263" r:id="rId9"/>
     <p:sldId id="262" r:id="rId10"/>
-    <p:sldId id="266" r:id="rId11"/>
-    <p:sldId id="267" r:id="rId12"/>
-    <p:sldId id="265" r:id="rId13"/>
-    <p:sldId id="268" r:id="rId14"/>
-    <p:sldId id="269" r:id="rId15"/>
+    <p:sldId id="272" r:id="rId11"/>
+    <p:sldId id="273" r:id="rId12"/>
+    <p:sldId id="274" r:id="rId13"/>
+    <p:sldId id="266" r:id="rId14"/>
+    <p:sldId id="267" r:id="rId15"/>
+    <p:sldId id="270" r:id="rId16"/>
+    <p:sldId id="271" r:id="rId17"/>
+    <p:sldId id="265" r:id="rId18"/>
+    <p:sldId id="268" r:id="rId19"/>
+    <p:sldId id="269" r:id="rId20"/>
+    <p:sldId id="275" r:id="rId21"/>
+    <p:sldId id="276" r:id="rId22"/>
+    <p:sldId id="277" r:id="rId23"/>
+    <p:sldId id="278" r:id="rId24"/>
   </p:sldIdLst>
   <p:sldSz cx="12192000" cy="6858000"/>
   <p:notesSz cx="6858000" cy="9144000"/>
@@ -847,7 +856,7 @@
           <a:p>
             <a:fld id="{1794DFC3-081B-43B9-B24B-1CF5C6128C8A}" type="datetimeFigureOut">
               <a:rPr lang="hu-HU" smtClean="0"/>
-              <a:t>2025. 04. 06.</a:t>
+              <a:t>2025. 04. 28.</a:t>
             </a:fld>
             <a:endParaRPr lang="hu-HU"/>
           </a:p>
@@ -1098,7 +1107,7 @@
           <a:p>
             <a:fld id="{1794DFC3-081B-43B9-B24B-1CF5C6128C8A}" type="datetimeFigureOut">
               <a:rPr lang="hu-HU" smtClean="0"/>
-              <a:t>2025. 04. 06.</a:t>
+              <a:t>2025. 04. 28.</a:t>
             </a:fld>
             <a:endParaRPr lang="hu-HU"/>
           </a:p>
@@ -1412,7 +1421,7 @@
           <a:p>
             <a:fld id="{1794DFC3-081B-43B9-B24B-1CF5C6128C8A}" type="datetimeFigureOut">
               <a:rPr lang="hu-HU" smtClean="0"/>
-              <a:t>2025. 04. 06.</a:t>
+              <a:t>2025. 04. 28.</a:t>
             </a:fld>
             <a:endParaRPr lang="hu-HU"/>
           </a:p>
@@ -1753,7 +1762,7 @@
           <a:p>
             <a:fld id="{1794DFC3-081B-43B9-B24B-1CF5C6128C8A}" type="datetimeFigureOut">
               <a:rPr lang="hu-HU" smtClean="0"/>
-              <a:t>2025. 04. 06.</a:t>
+              <a:t>2025. 04. 28.</a:t>
             </a:fld>
             <a:endParaRPr lang="hu-HU"/>
           </a:p>
@@ -2067,7 +2076,7 @@
           <a:p>
             <a:fld id="{1794DFC3-081B-43B9-B24B-1CF5C6128C8A}" type="datetimeFigureOut">
               <a:rPr lang="hu-HU" smtClean="0"/>
-              <a:t>2025. 04. 06.</a:t>
+              <a:t>2025. 04. 28.</a:t>
             </a:fld>
             <a:endParaRPr lang="hu-HU"/>
           </a:p>
@@ -2460,7 +2469,7 @@
           <a:p>
             <a:fld id="{1794DFC3-081B-43B9-B24B-1CF5C6128C8A}" type="datetimeFigureOut">
               <a:rPr lang="hu-HU" smtClean="0"/>
-              <a:t>2025. 04. 06.</a:t>
+              <a:t>2025. 04. 28.</a:t>
             </a:fld>
             <a:endParaRPr lang="hu-HU"/>
           </a:p>
@@ -2630,7 +2639,7 @@
           <a:p>
             <a:fld id="{1794DFC3-081B-43B9-B24B-1CF5C6128C8A}" type="datetimeFigureOut">
               <a:rPr lang="hu-HU" smtClean="0"/>
-              <a:t>2025. 04. 06.</a:t>
+              <a:t>2025. 04. 28.</a:t>
             </a:fld>
             <a:endParaRPr lang="hu-HU"/>
           </a:p>
@@ -2810,7 +2819,7 @@
           <a:p>
             <a:fld id="{1794DFC3-081B-43B9-B24B-1CF5C6128C8A}" type="datetimeFigureOut">
               <a:rPr lang="hu-HU" smtClean="0"/>
-              <a:t>2025. 04. 06.</a:t>
+              <a:t>2025. 04. 28.</a:t>
             </a:fld>
             <a:endParaRPr lang="hu-HU"/>
           </a:p>
@@ -2986,7 +2995,7 @@
           <a:p>
             <a:fld id="{1794DFC3-081B-43B9-B24B-1CF5C6128C8A}" type="datetimeFigureOut">
               <a:rPr lang="hu-HU" smtClean="0"/>
-              <a:t>2025. 04. 06.</a:t>
+              <a:t>2025. 04. 28.</a:t>
             </a:fld>
             <a:endParaRPr lang="hu-HU"/>
           </a:p>
@@ -3233,7 +3242,7 @@
           <a:p>
             <a:fld id="{1794DFC3-081B-43B9-B24B-1CF5C6128C8A}" type="datetimeFigureOut">
               <a:rPr lang="hu-HU" smtClean="0"/>
-              <a:t>2025. 04. 06.</a:t>
+              <a:t>2025. 04. 28.</a:t>
             </a:fld>
             <a:endParaRPr lang="hu-HU"/>
           </a:p>
@@ -3465,7 +3474,7 @@
           <a:p>
             <a:fld id="{1794DFC3-081B-43B9-B24B-1CF5C6128C8A}" type="datetimeFigureOut">
               <a:rPr lang="hu-HU" smtClean="0"/>
-              <a:t>2025. 04. 06.</a:t>
+              <a:t>2025. 04. 28.</a:t>
             </a:fld>
             <a:endParaRPr lang="hu-HU"/>
           </a:p>
@@ -3839,7 +3848,7 @@
           <a:p>
             <a:fld id="{1794DFC3-081B-43B9-B24B-1CF5C6128C8A}" type="datetimeFigureOut">
               <a:rPr lang="hu-HU" smtClean="0"/>
-              <a:t>2025. 04. 06.</a:t>
+              <a:t>2025. 04. 28.</a:t>
             </a:fld>
             <a:endParaRPr lang="hu-HU"/>
           </a:p>
@@ -3962,7 +3971,7 @@
           <a:p>
             <a:fld id="{1794DFC3-081B-43B9-B24B-1CF5C6128C8A}" type="datetimeFigureOut">
               <a:rPr lang="hu-HU" smtClean="0"/>
-              <a:t>2025. 04. 06.</a:t>
+              <a:t>2025. 04. 28.</a:t>
             </a:fld>
             <a:endParaRPr lang="hu-HU"/>
           </a:p>
@@ -4057,7 +4066,7 @@
           <a:p>
             <a:fld id="{1794DFC3-081B-43B9-B24B-1CF5C6128C8A}" type="datetimeFigureOut">
               <a:rPr lang="hu-HU" smtClean="0"/>
-              <a:t>2025. 04. 06.</a:t>
+              <a:t>2025. 04. 28.</a:t>
             </a:fld>
             <a:endParaRPr lang="hu-HU"/>
           </a:p>
@@ -4312,7 +4321,7 @@
           <a:p>
             <a:fld id="{1794DFC3-081B-43B9-B24B-1CF5C6128C8A}" type="datetimeFigureOut">
               <a:rPr lang="hu-HU" smtClean="0"/>
-              <a:t>2025. 04. 06.</a:t>
+              <a:t>2025. 04. 28.</a:t>
             </a:fld>
             <a:endParaRPr lang="hu-HU"/>
           </a:p>
@@ -4575,7 +4584,7 @@
           <a:p>
             <a:fld id="{1794DFC3-081B-43B9-B24B-1CF5C6128C8A}" type="datetimeFigureOut">
               <a:rPr lang="hu-HU" smtClean="0"/>
-              <a:t>2025. 04. 06.</a:t>
+              <a:t>2025. 04. 28.</a:t>
             </a:fld>
             <a:endParaRPr lang="hu-HU"/>
           </a:p>
@@ -5318,7 +5327,7 @@
           <a:p>
             <a:fld id="{1794DFC3-081B-43B9-B24B-1CF5C6128C8A}" type="datetimeFigureOut">
               <a:rPr lang="hu-HU" smtClean="0"/>
-              <a:t>2025. 04. 06.</a:t>
+              <a:t>2025. 04. 28.</a:t>
             </a:fld>
             <a:endParaRPr lang="hu-HU"/>
           </a:p>
@@ -5932,6 +5941,443 @@
   <p:cSld>
     <p:spTree>
       <p:nvGrpSpPr>
+        <p:cNvPr id="1" name="">
+          <a:extLst>
+            <a:ext uri="{FF2B5EF4-FFF2-40B4-BE49-F238E27FC236}">
+              <a16:creationId xmlns:a16="http://schemas.microsoft.com/office/drawing/2014/main" id="{EB45F6F8-0829-2B6C-FA12-012B8397A124}"/>
+            </a:ext>
+          </a:extLst>
+        </p:cNvPr>
+        <p:cNvGrpSpPr/>
+        <p:nvPr/>
+      </p:nvGrpSpPr>
+      <p:grpSpPr>
+        <a:xfrm>
+          <a:off x="0" y="0"/>
+          <a:ext cx="0" cy="0"/>
+          <a:chOff x="0" y="0"/>
+          <a:chExt cx="0" cy="0"/>
+        </a:xfrm>
+      </p:grpSpPr>
+      <p:sp>
+        <p:nvSpPr>
+          <p:cNvPr id="2" name="Cím 1">
+            <a:extLst>
+              <a:ext uri="{FF2B5EF4-FFF2-40B4-BE49-F238E27FC236}">
+                <a16:creationId xmlns:a16="http://schemas.microsoft.com/office/drawing/2014/main" id="{0D194FC6-A778-14C7-093F-9791C2A3B7C2}"/>
+              </a:ext>
+            </a:extLst>
+          </p:cNvPr>
+          <p:cNvSpPr>
+            <a:spLocks noGrp="1"/>
+          </p:cNvSpPr>
+          <p:nvPr>
+            <p:ph type="title"/>
+          </p:nvPr>
+        </p:nvSpPr>
+        <p:spPr>
+          <a:xfrm>
+            <a:off x="660233" y="797668"/>
+            <a:ext cx="8596668" cy="938177"/>
+          </a:xfrm>
+        </p:spPr>
+        <p:txBody>
+          <a:bodyPr/>
+          <a:lstStyle/>
+          <a:p>
+            <a:r>
+              <a:rPr lang="hu-HU" dirty="0"/>
+              <a:t>Mi a helyzet a műfajonkénti bevétellel?</a:t>
+            </a:r>
+          </a:p>
+        </p:txBody>
+      </p:sp>
+      <p:pic>
+        <p:nvPicPr>
+          <p:cNvPr id="5" name="Kép 4">
+            <a:extLst>
+              <a:ext uri="{FF2B5EF4-FFF2-40B4-BE49-F238E27FC236}">
+                <a16:creationId xmlns:a16="http://schemas.microsoft.com/office/drawing/2014/main" id="{D7F1F0BE-D39E-5154-50B2-24BDE10F3990}"/>
+              </a:ext>
+            </a:extLst>
+          </p:cNvPr>
+          <p:cNvPicPr>
+            <a:picLocks noChangeAspect="1"/>
+          </p:cNvPicPr>
+          <p:nvPr/>
+        </p:nvPicPr>
+        <p:blipFill>
+          <a:blip r:embed="rId2"/>
+          <a:stretch>
+            <a:fillRect/>
+          </a:stretch>
+        </p:blipFill>
+        <p:spPr>
+          <a:xfrm>
+            <a:off x="278853" y="2188723"/>
+            <a:ext cx="4617061" cy="3628417"/>
+          </a:xfrm>
+          <a:prstGeom prst="rect">
+            <a:avLst/>
+          </a:prstGeom>
+        </p:spPr>
+      </p:pic>
+      <p:pic>
+        <p:nvPicPr>
+          <p:cNvPr id="7" name="Kép 6">
+            <a:extLst>
+              <a:ext uri="{FF2B5EF4-FFF2-40B4-BE49-F238E27FC236}">
+                <a16:creationId xmlns:a16="http://schemas.microsoft.com/office/drawing/2014/main" id="{83CC3ABA-C322-DD74-01D7-7F9704E6BE64}"/>
+              </a:ext>
+            </a:extLst>
+          </p:cNvPr>
+          <p:cNvPicPr>
+            <a:picLocks noChangeAspect="1"/>
+          </p:cNvPicPr>
+          <p:nvPr/>
+        </p:nvPicPr>
+        <p:blipFill>
+          <a:blip r:embed="rId3"/>
+          <a:stretch>
+            <a:fillRect/>
+          </a:stretch>
+        </p:blipFill>
+        <p:spPr>
+          <a:xfrm>
+            <a:off x="6808944" y="1930400"/>
+            <a:ext cx="4895915" cy="4129931"/>
+          </a:xfrm>
+          <a:prstGeom prst="rect">
+            <a:avLst/>
+          </a:prstGeom>
+        </p:spPr>
+      </p:pic>
+      <p:sp>
+        <p:nvSpPr>
+          <p:cNvPr id="8" name="Nyíl: jobbra mutató 7">
+            <a:extLst>
+              <a:ext uri="{FF2B5EF4-FFF2-40B4-BE49-F238E27FC236}">
+                <a16:creationId xmlns:a16="http://schemas.microsoft.com/office/drawing/2014/main" id="{EE833EC2-EDCD-AC81-0D68-F45866AEAE82}"/>
+              </a:ext>
+            </a:extLst>
+          </p:cNvPr>
+          <p:cNvSpPr/>
+          <p:nvPr/>
+        </p:nvSpPr>
+        <p:spPr>
+          <a:xfrm>
+            <a:off x="5064488" y="3584642"/>
+            <a:ext cx="1575881" cy="773349"/>
+          </a:xfrm>
+          <a:prstGeom prst="rightArrow">
+            <a:avLst/>
+          </a:prstGeom>
+        </p:spPr>
+        <p:style>
+          <a:lnRef idx="2">
+            <a:schemeClr val="accent1">
+              <a:shade val="15000"/>
+            </a:schemeClr>
+          </a:lnRef>
+          <a:fillRef idx="1">
+            <a:schemeClr val="accent1"/>
+          </a:fillRef>
+          <a:effectRef idx="0">
+            <a:schemeClr val="accent1"/>
+          </a:effectRef>
+          <a:fontRef idx="minor">
+            <a:schemeClr val="lt1"/>
+          </a:fontRef>
+        </p:style>
+        <p:txBody>
+          <a:bodyPr rtlCol="0" anchor="ctr"/>
+          <a:lstStyle/>
+          <a:p>
+            <a:pPr algn="ctr"/>
+            <a:endParaRPr lang="hu-HU"/>
+          </a:p>
+        </p:txBody>
+      </p:sp>
+    </p:spTree>
+    <p:extLst>
+      <p:ext uri="{BB962C8B-B14F-4D97-AF65-F5344CB8AC3E}">
+        <p14:creationId xmlns:p14="http://schemas.microsoft.com/office/powerpoint/2010/main" val="1047105822"/>
+      </p:ext>
+    </p:extLst>
+  </p:cSld>
+  <p:clrMapOvr>
+    <a:masterClrMapping/>
+  </p:clrMapOvr>
+</p:sld>
+</file>
+
+<file path=ppt/slides/slide11.xml><?xml version="1.0" encoding="utf-8"?>
+<p:sld xmlns:a="http://schemas.openxmlformats.org/drawingml/2006/main" xmlns:r="http://schemas.openxmlformats.org/officeDocument/2006/relationships" xmlns:p="http://schemas.openxmlformats.org/presentationml/2006/main">
+  <p:cSld>
+    <p:spTree>
+      <p:nvGrpSpPr>
+        <p:cNvPr id="1" name="">
+          <a:extLst>
+            <a:ext uri="{FF2B5EF4-FFF2-40B4-BE49-F238E27FC236}">
+              <a16:creationId xmlns:a16="http://schemas.microsoft.com/office/drawing/2014/main" id="{FD12F8F3-F426-F2F7-7420-74B6F84E304F}"/>
+            </a:ext>
+          </a:extLst>
+        </p:cNvPr>
+        <p:cNvGrpSpPr/>
+        <p:nvPr/>
+      </p:nvGrpSpPr>
+      <p:grpSpPr>
+        <a:xfrm>
+          <a:off x="0" y="0"/>
+          <a:ext cx="0" cy="0"/>
+          <a:chOff x="0" y="0"/>
+          <a:chExt cx="0" cy="0"/>
+        </a:xfrm>
+      </p:grpSpPr>
+      <p:sp>
+        <p:nvSpPr>
+          <p:cNvPr id="2" name="Cím 1">
+            <a:extLst>
+              <a:ext uri="{FF2B5EF4-FFF2-40B4-BE49-F238E27FC236}">
+                <a16:creationId xmlns:a16="http://schemas.microsoft.com/office/drawing/2014/main" id="{5CE93B96-5149-85B7-1013-29B968DFF2EC}"/>
+              </a:ext>
+            </a:extLst>
+          </p:cNvPr>
+          <p:cNvSpPr>
+            <a:spLocks noGrp="1"/>
+          </p:cNvSpPr>
+          <p:nvPr>
+            <p:ph type="title"/>
+          </p:nvPr>
+        </p:nvSpPr>
+        <p:spPr>
+          <a:xfrm>
+            <a:off x="89844" y="686078"/>
+            <a:ext cx="9857721" cy="1320800"/>
+          </a:xfrm>
+        </p:spPr>
+        <p:txBody>
+          <a:bodyPr/>
+          <a:lstStyle/>
+          <a:p>
+            <a:r>
+              <a:rPr lang="hu-HU" dirty="0"/>
+              <a:t>Mennyit hoztak az egyes műfajok a konyhára?</a:t>
+            </a:r>
+          </a:p>
+        </p:txBody>
+      </p:sp>
+      <p:pic>
+        <p:nvPicPr>
+          <p:cNvPr id="4" name="Kép 3">
+            <a:extLst>
+              <a:ext uri="{FF2B5EF4-FFF2-40B4-BE49-F238E27FC236}">
+                <a16:creationId xmlns:a16="http://schemas.microsoft.com/office/drawing/2014/main" id="{F0846BB8-A5B2-4350-7866-CE18137DD902}"/>
+              </a:ext>
+            </a:extLst>
+          </p:cNvPr>
+          <p:cNvPicPr>
+            <a:picLocks noChangeAspect="1"/>
+          </p:cNvPicPr>
+          <p:nvPr/>
+        </p:nvPicPr>
+        <p:blipFill>
+          <a:blip r:embed="rId2"/>
+          <a:stretch>
+            <a:fillRect/>
+          </a:stretch>
+        </p:blipFill>
+        <p:spPr>
+          <a:xfrm>
+            <a:off x="544749" y="2192522"/>
+            <a:ext cx="4717915" cy="3190352"/>
+          </a:xfrm>
+          <a:prstGeom prst="rect">
+            <a:avLst/>
+          </a:prstGeom>
+        </p:spPr>
+      </p:pic>
+      <p:sp>
+        <p:nvSpPr>
+          <p:cNvPr id="6" name="Nyíl: jobbra mutató 5">
+            <a:extLst>
+              <a:ext uri="{FF2B5EF4-FFF2-40B4-BE49-F238E27FC236}">
+                <a16:creationId xmlns:a16="http://schemas.microsoft.com/office/drawing/2014/main" id="{10969F4C-8A2B-FF20-ACC8-725394379BB8}"/>
+              </a:ext>
+            </a:extLst>
+          </p:cNvPr>
+          <p:cNvSpPr/>
+          <p:nvPr/>
+        </p:nvSpPr>
+        <p:spPr>
+          <a:xfrm>
+            <a:off x="5497862" y="3244174"/>
+            <a:ext cx="1575881" cy="773349"/>
+          </a:xfrm>
+          <a:prstGeom prst="rightArrow">
+            <a:avLst/>
+          </a:prstGeom>
+        </p:spPr>
+        <p:style>
+          <a:lnRef idx="2">
+            <a:schemeClr val="accent1">
+              <a:shade val="15000"/>
+            </a:schemeClr>
+          </a:lnRef>
+          <a:fillRef idx="1">
+            <a:schemeClr val="accent1"/>
+          </a:fillRef>
+          <a:effectRef idx="0">
+            <a:schemeClr val="accent1"/>
+          </a:effectRef>
+          <a:fontRef idx="minor">
+            <a:schemeClr val="lt1"/>
+          </a:fontRef>
+        </p:style>
+        <p:txBody>
+          <a:bodyPr rtlCol="0" anchor="ctr"/>
+          <a:lstStyle/>
+          <a:p>
+            <a:pPr algn="ctr"/>
+            <a:endParaRPr lang="hu-HU"/>
+          </a:p>
+        </p:txBody>
+      </p:sp>
+      <p:pic>
+        <p:nvPicPr>
+          <p:cNvPr id="8" name="Kép 7">
+            <a:extLst>
+              <a:ext uri="{FF2B5EF4-FFF2-40B4-BE49-F238E27FC236}">
+                <a16:creationId xmlns:a16="http://schemas.microsoft.com/office/drawing/2014/main" id="{800BDC72-A03B-1AF6-46B1-463963167F21}"/>
+              </a:ext>
+            </a:extLst>
+          </p:cNvPr>
+          <p:cNvPicPr>
+            <a:picLocks noChangeAspect="1"/>
+          </p:cNvPicPr>
+          <p:nvPr/>
+        </p:nvPicPr>
+        <p:blipFill>
+          <a:blip r:embed="rId3"/>
+          <a:stretch>
+            <a:fillRect/>
+          </a:stretch>
+        </p:blipFill>
+        <p:spPr>
+          <a:xfrm>
+            <a:off x="7308942" y="2009309"/>
+            <a:ext cx="4295775" cy="3829050"/>
+          </a:xfrm>
+          <a:prstGeom prst="rect">
+            <a:avLst/>
+          </a:prstGeom>
+        </p:spPr>
+      </p:pic>
+    </p:spTree>
+    <p:extLst>
+      <p:ext uri="{BB962C8B-B14F-4D97-AF65-F5344CB8AC3E}">
+        <p14:creationId xmlns:p14="http://schemas.microsoft.com/office/powerpoint/2010/main" val="2241539337"/>
+      </p:ext>
+    </p:extLst>
+  </p:cSld>
+  <p:clrMapOvr>
+    <a:masterClrMapping/>
+  </p:clrMapOvr>
+</p:sld>
+</file>
+
+<file path=ppt/slides/slide12.xml><?xml version="1.0" encoding="utf-8"?>
+<p:sld xmlns:a="http://schemas.openxmlformats.org/drawingml/2006/main" xmlns:r="http://schemas.openxmlformats.org/officeDocument/2006/relationships" xmlns:p="http://schemas.openxmlformats.org/presentationml/2006/main">
+  <p:cSld>
+    <p:spTree>
+      <p:nvGrpSpPr>
+        <p:cNvPr id="1" name=""/>
+        <p:cNvGrpSpPr/>
+        <p:nvPr/>
+      </p:nvGrpSpPr>
+      <p:grpSpPr>
+        <a:xfrm>
+          <a:off x="0" y="0"/>
+          <a:ext cx="0" cy="0"/>
+          <a:chOff x="0" y="0"/>
+          <a:chExt cx="0" cy="0"/>
+        </a:xfrm>
+      </p:grpSpPr>
+      <p:sp>
+        <p:nvSpPr>
+          <p:cNvPr id="2" name="Cím 1">
+            <a:extLst>
+              <a:ext uri="{FF2B5EF4-FFF2-40B4-BE49-F238E27FC236}">
+                <a16:creationId xmlns:a16="http://schemas.microsoft.com/office/drawing/2014/main" id="{5BF97E9D-35C5-74D8-E599-CE63A7843B26}"/>
+              </a:ext>
+            </a:extLst>
+          </p:cNvPr>
+          <p:cNvSpPr>
+            <a:spLocks noGrp="1"/>
+          </p:cNvSpPr>
+          <p:nvPr>
+            <p:ph type="title"/>
+          </p:nvPr>
+        </p:nvSpPr>
+        <p:spPr/>
+        <p:txBody>
+          <a:bodyPr/>
+          <a:lstStyle/>
+          <a:p>
+            <a:r>
+              <a:rPr lang="hu-HU" dirty="0"/>
+              <a:t>És hogy néz ez ki évekre lebontva?</a:t>
+            </a:r>
+          </a:p>
+        </p:txBody>
+      </p:sp>
+      <p:pic>
+        <p:nvPicPr>
+          <p:cNvPr id="5" name="Tartalom helye 4">
+            <a:extLst>
+              <a:ext uri="{FF2B5EF4-FFF2-40B4-BE49-F238E27FC236}">
+                <a16:creationId xmlns:a16="http://schemas.microsoft.com/office/drawing/2014/main" id="{2A9219E5-7F1E-CA53-01FD-F1541BBB2B49}"/>
+              </a:ext>
+            </a:extLst>
+          </p:cNvPr>
+          <p:cNvPicPr>
+            <a:picLocks noGrp="1" noChangeAspect="1"/>
+          </p:cNvPicPr>
+          <p:nvPr>
+            <p:ph idx="1"/>
+          </p:nvPr>
+        </p:nvPicPr>
+        <p:blipFill>
+          <a:blip r:embed="rId2"/>
+          <a:stretch>
+            <a:fillRect/>
+          </a:stretch>
+        </p:blipFill>
+        <p:spPr>
+          <a:xfrm>
+            <a:off x="2260087" y="1479651"/>
+            <a:ext cx="6650449" cy="5178827"/>
+          </a:xfrm>
+        </p:spPr>
+      </p:pic>
+    </p:spTree>
+    <p:extLst>
+      <p:ext uri="{BB962C8B-B14F-4D97-AF65-F5344CB8AC3E}">
+        <p14:creationId xmlns:p14="http://schemas.microsoft.com/office/powerpoint/2010/main" val="2741054597"/>
+      </p:ext>
+    </p:extLst>
+  </p:cSld>
+  <p:clrMapOvr>
+    <a:masterClrMapping/>
+  </p:clrMapOvr>
+</p:sld>
+</file>
+
+<file path=ppt/slides/slide13.xml><?xml version="1.0" encoding="utf-8"?>
+<p:sld xmlns:a="http://schemas.openxmlformats.org/drawingml/2006/main" xmlns:r="http://schemas.openxmlformats.org/officeDocument/2006/relationships" xmlns:p="http://schemas.openxmlformats.org/presentationml/2006/main">
+  <p:cSld>
+    <p:spTree>
+      <p:nvGrpSpPr>
         <p:cNvPr id="1" name=""/>
         <p:cNvGrpSpPr/>
         <p:nvPr/>
@@ -6166,7 +6612,7 @@
 </p:sld>
 </file>
 
-<file path=ppt/slides/slide11.xml><?xml version="1.0" encoding="utf-8"?>
+<file path=ppt/slides/slide14.xml><?xml version="1.0" encoding="utf-8"?>
 <p:sld xmlns:a="http://schemas.openxmlformats.org/drawingml/2006/main" xmlns:r="http://schemas.openxmlformats.org/officeDocument/2006/relationships" xmlns:p="http://schemas.openxmlformats.org/presentationml/2006/main">
   <p:cSld>
     <p:spTree>
@@ -6340,7 +6786,380 @@
 </p:sld>
 </file>
 
-<file path=ppt/slides/slide12.xml><?xml version="1.0" encoding="utf-8"?>
+<file path=ppt/slides/slide15.xml><?xml version="1.0" encoding="utf-8"?>
+<p:sld xmlns:a="http://schemas.openxmlformats.org/drawingml/2006/main" xmlns:r="http://schemas.openxmlformats.org/officeDocument/2006/relationships" xmlns:p="http://schemas.openxmlformats.org/presentationml/2006/main">
+  <p:cSld>
+    <p:spTree>
+      <p:nvGrpSpPr>
+        <p:cNvPr id="1" name=""/>
+        <p:cNvGrpSpPr/>
+        <p:nvPr/>
+      </p:nvGrpSpPr>
+      <p:grpSpPr>
+        <a:xfrm>
+          <a:off x="0" y="0"/>
+          <a:ext cx="0" cy="0"/>
+          <a:chOff x="0" y="0"/>
+          <a:chExt cx="0" cy="0"/>
+        </a:xfrm>
+      </p:grpSpPr>
+      <p:sp>
+        <p:nvSpPr>
+          <p:cNvPr id="2" name="Cím 1">
+            <a:extLst>
+              <a:ext uri="{FF2B5EF4-FFF2-40B4-BE49-F238E27FC236}">
+                <a16:creationId xmlns:a16="http://schemas.microsoft.com/office/drawing/2014/main" id="{26973637-8629-AB02-1A54-BCC1931FCF46}"/>
+              </a:ext>
+            </a:extLst>
+          </p:cNvPr>
+          <p:cNvSpPr>
+            <a:spLocks noGrp="1"/>
+          </p:cNvSpPr>
+          <p:nvPr>
+            <p:ph type="title"/>
+          </p:nvPr>
+        </p:nvSpPr>
+        <p:spPr/>
+        <p:txBody>
+          <a:bodyPr/>
+          <a:lstStyle/>
+          <a:p>
+            <a:r>
+              <a:rPr lang="hu-HU" dirty="0"/>
+              <a:t>Eloszlás: Sajnos</a:t>
+            </a:r>
+            <a:r>
+              <a:rPr lang="hu-HU" dirty="0">
+                <a:sym typeface="Wingdings" panose="05000000000000000000" pitchFamily="2" charset="2"/>
+              </a:rPr>
+              <a:t> nem Standard normális</a:t>
+            </a:r>
+            <a:endParaRPr lang="hu-HU" dirty="0"/>
+          </a:p>
+        </p:txBody>
+      </p:sp>
+      <p:pic>
+        <p:nvPicPr>
+          <p:cNvPr id="5" name="Tartalom helye 4">
+            <a:extLst>
+              <a:ext uri="{FF2B5EF4-FFF2-40B4-BE49-F238E27FC236}">
+                <a16:creationId xmlns:a16="http://schemas.microsoft.com/office/drawing/2014/main" id="{B15F8206-95ED-DE60-EBBC-6A0B9B8F2ABA}"/>
+              </a:ext>
+            </a:extLst>
+          </p:cNvPr>
+          <p:cNvPicPr>
+            <a:picLocks noGrp="1" noChangeAspect="1"/>
+          </p:cNvPicPr>
+          <p:nvPr>
+            <p:ph idx="1"/>
+          </p:nvPr>
+        </p:nvPicPr>
+        <p:blipFill>
+          <a:blip r:embed="rId2"/>
+          <a:stretch>
+            <a:fillRect/>
+          </a:stretch>
+        </p:blipFill>
+        <p:spPr>
+          <a:xfrm>
+            <a:off x="962817" y="1651970"/>
+            <a:ext cx="5294901" cy="4204544"/>
+          </a:xfrm>
+        </p:spPr>
+      </p:pic>
+      <p:pic>
+        <p:nvPicPr>
+          <p:cNvPr id="1028" name="Picture 4" descr="19,700+ Sad Smiley Face Stock Illustrations, Royalty-Free ...">
+            <a:extLst>
+              <a:ext uri="{FF2B5EF4-FFF2-40B4-BE49-F238E27FC236}">
+                <a16:creationId xmlns:a16="http://schemas.microsoft.com/office/drawing/2014/main" id="{21DE9906-9365-C454-B710-E35C6F1D22A8}"/>
+              </a:ext>
+            </a:extLst>
+          </p:cNvPr>
+          <p:cNvPicPr>
+            <a:picLocks noChangeAspect="1" noChangeArrowheads="1"/>
+          </p:cNvPicPr>
+          <p:nvPr/>
+        </p:nvPicPr>
+        <p:blipFill>
+          <a:blip r:embed="rId3">
+            <a:extLst>
+              <a:ext uri="{28A0092B-C50C-407E-A947-70E740481C1C}">
+                <a14:useLocalDpi xmlns:a14="http://schemas.microsoft.com/office/drawing/2010/main" val="0"/>
+              </a:ext>
+            </a:extLst>
+          </a:blip>
+          <a:srcRect/>
+          <a:stretch>
+            <a:fillRect/>
+          </a:stretch>
+        </p:blipFill>
+        <p:spPr bwMode="auto">
+          <a:xfrm>
+            <a:off x="7998487" y="2495542"/>
+            <a:ext cx="1899139" cy="1787425"/>
+          </a:xfrm>
+          <a:prstGeom prst="rect">
+            <a:avLst/>
+          </a:prstGeom>
+          <a:noFill/>
+          <a:extLst>
+            <a:ext uri="{909E8E84-426E-40DD-AFC4-6F175D3DCCD1}">
+              <a14:hiddenFill xmlns:a14="http://schemas.microsoft.com/office/drawing/2010/main">
+                <a:solidFill>
+                  <a:srgbClr val="FFFFFF"/>
+                </a:solidFill>
+              </a14:hiddenFill>
+            </a:ext>
+          </a:extLst>
+        </p:spPr>
+      </p:pic>
+      <p:sp>
+        <p:nvSpPr>
+          <p:cNvPr id="6" name="Nyíl: jobbra mutató 5">
+            <a:extLst>
+              <a:ext uri="{FF2B5EF4-FFF2-40B4-BE49-F238E27FC236}">
+                <a16:creationId xmlns:a16="http://schemas.microsoft.com/office/drawing/2014/main" id="{53087CA7-E5EB-BE18-6FA7-B097035439B7}"/>
+              </a:ext>
+            </a:extLst>
+          </p:cNvPr>
+          <p:cNvSpPr/>
+          <p:nvPr/>
+        </p:nvSpPr>
+        <p:spPr>
+          <a:xfrm>
+            <a:off x="6422606" y="3120107"/>
+            <a:ext cx="1575881" cy="773349"/>
+          </a:xfrm>
+          <a:prstGeom prst="rightArrow">
+            <a:avLst/>
+          </a:prstGeom>
+        </p:spPr>
+        <p:style>
+          <a:lnRef idx="2">
+            <a:schemeClr val="accent1">
+              <a:shade val="15000"/>
+            </a:schemeClr>
+          </a:lnRef>
+          <a:fillRef idx="1">
+            <a:schemeClr val="accent1"/>
+          </a:fillRef>
+          <a:effectRef idx="0">
+            <a:schemeClr val="accent1"/>
+          </a:effectRef>
+          <a:fontRef idx="minor">
+            <a:schemeClr val="lt1"/>
+          </a:fontRef>
+        </p:style>
+        <p:txBody>
+          <a:bodyPr rtlCol="0" anchor="ctr"/>
+          <a:lstStyle/>
+          <a:p>
+            <a:pPr algn="ctr"/>
+            <a:endParaRPr lang="hu-HU"/>
+          </a:p>
+        </p:txBody>
+      </p:sp>
+    </p:spTree>
+    <p:extLst>
+      <p:ext uri="{BB962C8B-B14F-4D97-AF65-F5344CB8AC3E}">
+        <p14:creationId xmlns:p14="http://schemas.microsoft.com/office/powerpoint/2010/main" val="4207778680"/>
+      </p:ext>
+    </p:extLst>
+  </p:cSld>
+  <p:clrMapOvr>
+    <a:masterClrMapping/>
+  </p:clrMapOvr>
+</p:sld>
+</file>
+
+<file path=ppt/slides/slide16.xml><?xml version="1.0" encoding="utf-8"?>
+<p:sld xmlns:a="http://schemas.openxmlformats.org/drawingml/2006/main" xmlns:r="http://schemas.openxmlformats.org/officeDocument/2006/relationships" xmlns:p="http://schemas.openxmlformats.org/presentationml/2006/main">
+  <p:cSld>
+    <p:spTree>
+      <p:nvGrpSpPr>
+        <p:cNvPr id="1" name=""/>
+        <p:cNvGrpSpPr/>
+        <p:nvPr/>
+      </p:nvGrpSpPr>
+      <p:grpSpPr>
+        <a:xfrm>
+          <a:off x="0" y="0"/>
+          <a:ext cx="0" cy="0"/>
+          <a:chOff x="0" y="0"/>
+          <a:chExt cx="0" cy="0"/>
+        </a:xfrm>
+      </p:grpSpPr>
+      <p:sp>
+        <p:nvSpPr>
+          <p:cNvPr id="2" name="Cím 1">
+            <a:extLst>
+              <a:ext uri="{FF2B5EF4-FFF2-40B4-BE49-F238E27FC236}">
+                <a16:creationId xmlns:a16="http://schemas.microsoft.com/office/drawing/2014/main" id="{27F42BA6-1705-CF26-5A38-8B19DEF217C4}"/>
+              </a:ext>
+            </a:extLst>
+          </p:cNvPr>
+          <p:cNvSpPr>
+            <a:spLocks noGrp="1"/>
+          </p:cNvSpPr>
+          <p:nvPr>
+            <p:ph type="title"/>
+          </p:nvPr>
+        </p:nvSpPr>
+        <p:spPr/>
+        <p:txBody>
+          <a:bodyPr/>
+          <a:lstStyle/>
+          <a:p>
+            <a:r>
+              <a:rPr lang="hu-HU" dirty="0"/>
+              <a:t>Megoldás: Mann-Whitney-próba </a:t>
+            </a:r>
+          </a:p>
+        </p:txBody>
+      </p:sp>
+      <p:pic>
+        <p:nvPicPr>
+          <p:cNvPr id="5" name="Tartalom helye 4">
+            <a:extLst>
+              <a:ext uri="{FF2B5EF4-FFF2-40B4-BE49-F238E27FC236}">
+                <a16:creationId xmlns:a16="http://schemas.microsoft.com/office/drawing/2014/main" id="{92B27B1F-34E6-D65A-62AE-2102C9D08A00}"/>
+              </a:ext>
+            </a:extLst>
+          </p:cNvPr>
+          <p:cNvPicPr>
+            <a:picLocks noGrp="1" noChangeAspect="1"/>
+          </p:cNvPicPr>
+          <p:nvPr>
+            <p:ph idx="1"/>
+          </p:nvPr>
+        </p:nvPicPr>
+        <p:blipFill>
+          <a:blip r:embed="rId2"/>
+          <a:stretch>
+            <a:fillRect/>
+          </a:stretch>
+        </p:blipFill>
+        <p:spPr>
+          <a:xfrm>
+            <a:off x="1058018" y="1930400"/>
+            <a:ext cx="5037982" cy="3881437"/>
+          </a:xfrm>
+        </p:spPr>
+      </p:pic>
+      <p:sp>
+        <p:nvSpPr>
+          <p:cNvPr id="7" name="Ellipszis 6">
+            <a:extLst>
+              <a:ext uri="{FF2B5EF4-FFF2-40B4-BE49-F238E27FC236}">
+                <a16:creationId xmlns:a16="http://schemas.microsoft.com/office/drawing/2014/main" id="{7885ACA3-8D00-FB8B-262C-74CC76EB470C}"/>
+              </a:ext>
+            </a:extLst>
+          </p:cNvPr>
+          <p:cNvSpPr/>
+          <p:nvPr/>
+        </p:nvSpPr>
+        <p:spPr>
+          <a:xfrm>
+            <a:off x="1653702" y="4017032"/>
+            <a:ext cx="4221804" cy="1410511"/>
+          </a:xfrm>
+          <a:prstGeom prst="ellipse">
+            <a:avLst/>
+          </a:prstGeom>
+          <a:noFill/>
+          <a:ln>
+            <a:solidFill>
+              <a:srgbClr val="FF0000"/>
+            </a:solidFill>
+          </a:ln>
+        </p:spPr>
+        <p:style>
+          <a:lnRef idx="2">
+            <a:schemeClr val="accent1">
+              <a:shade val="15000"/>
+            </a:schemeClr>
+          </a:lnRef>
+          <a:fillRef idx="1">
+            <a:schemeClr val="accent1"/>
+          </a:fillRef>
+          <a:effectRef idx="0">
+            <a:schemeClr val="accent1"/>
+          </a:effectRef>
+          <a:fontRef idx="minor">
+            <a:schemeClr val="lt1"/>
+          </a:fontRef>
+        </p:style>
+        <p:txBody>
+          <a:bodyPr rtlCol="0" anchor="ctr"/>
+          <a:lstStyle/>
+          <a:p>
+            <a:pPr algn="ctr"/>
+            <a:endParaRPr lang="hu-HU"/>
+          </a:p>
+        </p:txBody>
+      </p:sp>
+      <p:pic>
+        <p:nvPicPr>
+          <p:cNvPr id="2050" name="Picture 2" descr="Emoticon holding Yes sign stock vector. Illustration of glad - 293319607">
+            <a:extLst>
+              <a:ext uri="{FF2B5EF4-FFF2-40B4-BE49-F238E27FC236}">
+                <a16:creationId xmlns:a16="http://schemas.microsoft.com/office/drawing/2014/main" id="{4DA6F43D-49F9-9902-9D61-EBD7F18A3AF8}"/>
+              </a:ext>
+            </a:extLst>
+          </p:cNvPr>
+          <p:cNvPicPr>
+            <a:picLocks noChangeAspect="1" noChangeArrowheads="1"/>
+          </p:cNvPicPr>
+          <p:nvPr/>
+        </p:nvPicPr>
+        <p:blipFill>
+          <a:blip r:embed="rId3">
+            <a:extLst>
+              <a:ext uri="{28A0092B-C50C-407E-A947-70E740481C1C}">
+                <a14:useLocalDpi xmlns:a14="http://schemas.microsoft.com/office/drawing/2010/main" val="0"/>
+              </a:ext>
+            </a:extLst>
+          </a:blip>
+          <a:srcRect/>
+          <a:stretch>
+            <a:fillRect/>
+          </a:stretch>
+        </p:blipFill>
+        <p:spPr bwMode="auto">
+          <a:xfrm>
+            <a:off x="6691684" y="2522012"/>
+            <a:ext cx="2076450" cy="2200275"/>
+          </a:xfrm>
+          <a:prstGeom prst="rect">
+            <a:avLst/>
+          </a:prstGeom>
+          <a:noFill/>
+          <a:extLst>
+            <a:ext uri="{909E8E84-426E-40DD-AFC4-6F175D3DCCD1}">
+              <a14:hiddenFill xmlns:a14="http://schemas.microsoft.com/office/drawing/2010/main">
+                <a:solidFill>
+                  <a:srgbClr val="FFFFFF"/>
+                </a:solidFill>
+              </a14:hiddenFill>
+            </a:ext>
+          </a:extLst>
+        </p:spPr>
+      </p:pic>
+    </p:spTree>
+    <p:extLst>
+      <p:ext uri="{BB962C8B-B14F-4D97-AF65-F5344CB8AC3E}">
+        <p14:creationId xmlns:p14="http://schemas.microsoft.com/office/powerpoint/2010/main" val="1260481698"/>
+      </p:ext>
+    </p:extLst>
+  </p:cSld>
+  <p:clrMapOvr>
+    <a:masterClrMapping/>
+  </p:clrMapOvr>
+</p:sld>
+</file>
+
+<file path=ppt/slides/slide17.xml><?xml version="1.0" encoding="utf-8"?>
 <p:sld xmlns:a="http://schemas.openxmlformats.org/drawingml/2006/main" xmlns:r="http://schemas.openxmlformats.org/officeDocument/2006/relationships" xmlns:p="http://schemas.openxmlformats.org/presentationml/2006/main">
   <p:cSld>
     <p:spTree>
@@ -6503,7 +7322,7 @@
 </p:sld>
 </file>
 
-<file path=ppt/slides/slide13.xml><?xml version="1.0" encoding="utf-8"?>
+<file path=ppt/slides/slide18.xml><?xml version="1.0" encoding="utf-8"?>
 <p:sld xmlns:a="http://schemas.openxmlformats.org/drawingml/2006/main" xmlns:r="http://schemas.openxmlformats.org/officeDocument/2006/relationships" xmlns:p="http://schemas.openxmlformats.org/presentationml/2006/main">
   <p:cSld>
     <p:spTree>
@@ -6595,7 +7414,7 @@
 </p:sld>
 </file>
 
-<file path=ppt/slides/slide14.xml><?xml version="1.0" encoding="utf-8"?>
+<file path=ppt/slides/slide19.xml><?xml version="1.0" encoding="utf-8"?>
 <p:sld xmlns:a="http://schemas.openxmlformats.org/drawingml/2006/main" xmlns:r="http://schemas.openxmlformats.org/officeDocument/2006/relationships" xmlns:p="http://schemas.openxmlformats.org/presentationml/2006/main">
   <p:cSld>
     <p:spTree>
@@ -6912,7 +7731,7 @@
 </p:sld>
 </file>
 
-<file path=ppt/slides/slide3.xml><?xml version="1.0" encoding="utf-8"?>
+<file path=ppt/slides/slide20.xml><?xml version="1.0" encoding="utf-8"?>
 <p:sld xmlns:a="http://schemas.openxmlformats.org/drawingml/2006/main" xmlns:r="http://schemas.openxmlformats.org/officeDocument/2006/relationships" xmlns:p="http://schemas.openxmlformats.org/presentationml/2006/main">
   <p:cSld>
     <p:bg>
@@ -6939,7 +7758,977 @@
       </p:grpSpPr>
       <p:grpSp>
         <p:nvGrpSpPr>
-          <p:cNvPr id="12" name="Group 11">
+          <p:cNvPr id="25" name="Group 24">
+            <a:extLst>
+              <a:ext uri="{FF2B5EF4-FFF2-40B4-BE49-F238E27FC236}">
+                <a16:creationId xmlns:a16="http://schemas.microsoft.com/office/drawing/2014/main" id="{B4DE830A-B531-4A3B-96F6-0ECE88B08555}"/>
+              </a:ext>
+              <a:ext uri="{C183D7F6-B498-43B3-948B-1728B52AA6E4}">
+                <adec:decorative xmlns:adec="http://schemas.microsoft.com/office/drawing/2017/decorative" val="1"/>
+              </a:ext>
+            </a:extLst>
+          </p:cNvPr>
+          <p:cNvGrpSpPr>
+            <a:grpSpLocks noGrp="1" noUngrp="1" noRot="1" noChangeAspect="1" noMove="1" noResize="1"/>
+          </p:cNvGrpSpPr>
+          <p:nvPr>
+            <p:extLst>
+              <p:ext uri="{386F3935-93C4-4BCD-93E2-E3B085C9AB24}">
+                <p16:designElem xmlns:p16="http://schemas.microsoft.com/office/powerpoint/2015/main" val="1"/>
+              </p:ext>
+            </p:extLst>
+          </p:nvPr>
+        </p:nvGrpSpPr>
+        <p:grpSpPr>
+          <a:xfrm>
+            <a:off x="0" y="-8467"/>
+            <a:ext cx="12192000" cy="6866467"/>
+            <a:chOff x="0" y="-8467"/>
+            <a:chExt cx="12192000" cy="6866467"/>
+          </a:xfrm>
+        </p:grpSpPr>
+        <p:cxnSp>
+          <p:nvCxnSpPr>
+            <p:cNvPr id="26" name="Straight Connector 25">
+              <a:extLst>
+                <a:ext uri="{FF2B5EF4-FFF2-40B4-BE49-F238E27FC236}">
+                  <a16:creationId xmlns:a16="http://schemas.microsoft.com/office/drawing/2014/main" id="{2813DF2C-461A-4A8F-9679-A172790D1F3A}"/>
+                </a:ext>
+                <a:ext uri="{C183D7F6-B498-43B3-948B-1728B52AA6E4}">
+                  <adec:decorative xmlns:adec="http://schemas.microsoft.com/office/drawing/2017/decorative" val="1"/>
+                </a:ext>
+              </a:extLst>
+            </p:cNvPr>
+            <p:cNvCxnSpPr/>
+            <p:nvPr>
+              <p:extLst>
+                <p:ext uri="{386F3935-93C4-4BCD-93E2-E3B085C9AB24}">
+                  <p16:designElem xmlns:p16="http://schemas.microsoft.com/office/powerpoint/2015/main" val="1"/>
+                </p:ext>
+              </p:extLst>
+            </p:nvPr>
+          </p:nvCxnSpPr>
+          <p:spPr>
+            <a:xfrm>
+              <a:off x="9371012" y="0"/>
+              <a:ext cx="1219200" cy="6858000"/>
+            </a:xfrm>
+            <a:prstGeom prst="line">
+              <a:avLst/>
+            </a:prstGeom>
+            <a:ln w="9525">
+              <a:solidFill>
+                <a:schemeClr val="bg1">
+                  <a:lumMod val="75000"/>
+                </a:schemeClr>
+              </a:solidFill>
+            </a:ln>
+          </p:spPr>
+          <p:style>
+            <a:lnRef idx="2">
+              <a:schemeClr val="accent1"/>
+            </a:lnRef>
+            <a:fillRef idx="0">
+              <a:schemeClr val="accent1"/>
+            </a:fillRef>
+            <a:effectRef idx="1">
+              <a:schemeClr val="accent1"/>
+            </a:effectRef>
+            <a:fontRef idx="minor">
+              <a:schemeClr val="tx1"/>
+            </a:fontRef>
+          </p:style>
+        </p:cxnSp>
+        <p:cxnSp>
+          <p:nvCxnSpPr>
+            <p:cNvPr id="27" name="Straight Connector 26">
+              <a:extLst>
+                <a:ext uri="{FF2B5EF4-FFF2-40B4-BE49-F238E27FC236}">
+                  <a16:creationId xmlns:a16="http://schemas.microsoft.com/office/drawing/2014/main" id="{54CD3A85-C039-4249-86E4-1EB9318B5495}"/>
+                </a:ext>
+                <a:ext uri="{C183D7F6-B498-43B3-948B-1728B52AA6E4}">
+                  <adec:decorative xmlns:adec="http://schemas.microsoft.com/office/drawing/2017/decorative" val="1"/>
+                </a:ext>
+              </a:extLst>
+            </p:cNvPr>
+            <p:cNvCxnSpPr/>
+            <p:nvPr>
+              <p:extLst>
+                <p:ext uri="{386F3935-93C4-4BCD-93E2-E3B085C9AB24}">
+                  <p16:designElem xmlns:p16="http://schemas.microsoft.com/office/powerpoint/2015/main" val="1"/>
+                </p:ext>
+              </p:extLst>
+            </p:nvPr>
+          </p:nvCxnSpPr>
+          <p:spPr>
+            <a:xfrm flipH="1">
+              <a:off x="7425267" y="3681413"/>
+              <a:ext cx="4763558" cy="3176587"/>
+            </a:xfrm>
+            <a:prstGeom prst="line">
+              <a:avLst/>
+            </a:prstGeom>
+            <a:ln w="9525">
+              <a:solidFill>
+                <a:schemeClr val="bg1">
+                  <a:lumMod val="85000"/>
+                </a:schemeClr>
+              </a:solidFill>
+            </a:ln>
+          </p:spPr>
+          <p:style>
+            <a:lnRef idx="2">
+              <a:schemeClr val="accent1"/>
+            </a:lnRef>
+            <a:fillRef idx="0">
+              <a:schemeClr val="accent1"/>
+            </a:fillRef>
+            <a:effectRef idx="1">
+              <a:schemeClr val="accent1"/>
+            </a:effectRef>
+            <a:fontRef idx="minor">
+              <a:schemeClr val="tx1"/>
+            </a:fontRef>
+          </p:style>
+        </p:cxnSp>
+        <p:sp>
+          <p:nvSpPr>
+            <p:cNvPr id="28" name="Rectangle 23">
+              <a:extLst>
+                <a:ext uri="{FF2B5EF4-FFF2-40B4-BE49-F238E27FC236}">
+                  <a16:creationId xmlns:a16="http://schemas.microsoft.com/office/drawing/2014/main" id="{887EA6D2-2883-42C2-993D-094CA6D65DA3}"/>
+                </a:ext>
+                <a:ext uri="{C183D7F6-B498-43B3-948B-1728B52AA6E4}">
+                  <adec:decorative xmlns:adec="http://schemas.microsoft.com/office/drawing/2017/decorative" val="1"/>
+                </a:ext>
+              </a:extLst>
+            </p:cNvPr>
+            <p:cNvSpPr/>
+            <p:nvPr>
+              <p:extLst>
+                <p:ext uri="{386F3935-93C4-4BCD-93E2-E3B085C9AB24}">
+                  <p16:designElem xmlns:p16="http://schemas.microsoft.com/office/powerpoint/2015/main" val="1"/>
+                </p:ext>
+              </p:extLst>
+            </p:nvPr>
+          </p:nvSpPr>
+          <p:spPr>
+            <a:xfrm>
+              <a:off x="9181476" y="-8467"/>
+              <a:ext cx="3007349" cy="6866467"/>
+            </a:xfrm>
+            <a:custGeom>
+              <a:avLst/>
+              <a:gdLst/>
+              <a:ahLst/>
+              <a:cxnLst/>
+              <a:rect l="l" t="t" r="r" b="b"/>
+              <a:pathLst>
+                <a:path w="3007349" h="6866467">
+                  <a:moveTo>
+                    <a:pt x="2045532" y="0"/>
+                  </a:moveTo>
+                  <a:lnTo>
+                    <a:pt x="3007349" y="0"/>
+                  </a:lnTo>
+                  <a:lnTo>
+                    <a:pt x="3007349" y="6866467"/>
+                  </a:lnTo>
+                  <a:lnTo>
+                    <a:pt x="0" y="6866467"/>
+                  </a:lnTo>
+                  <a:lnTo>
+                    <a:pt x="2045532" y="0"/>
+                  </a:lnTo>
+                  <a:close/>
+                </a:path>
+              </a:pathLst>
+            </a:custGeom>
+            <a:solidFill>
+              <a:schemeClr val="accent1">
+                <a:alpha val="30000"/>
+              </a:schemeClr>
+            </a:solidFill>
+            <a:ln>
+              <a:noFill/>
+            </a:ln>
+            <a:effectLst/>
+          </p:spPr>
+          <p:style>
+            <a:lnRef idx="1">
+              <a:schemeClr val="accent1"/>
+            </a:lnRef>
+            <a:fillRef idx="3">
+              <a:schemeClr val="accent1"/>
+            </a:fillRef>
+            <a:effectRef idx="2">
+              <a:schemeClr val="accent1"/>
+            </a:effectRef>
+            <a:fontRef idx="minor">
+              <a:schemeClr val="lt1"/>
+            </a:fontRef>
+          </p:style>
+          <p:txBody>
+            <a:bodyPr/>
+            <a:lstStyle/>
+            <a:p>
+              <a:endParaRPr lang="hu-HU"/>
+            </a:p>
+          </p:txBody>
+        </p:sp>
+        <p:sp>
+          <p:nvSpPr>
+            <p:cNvPr id="29" name="Rectangle 25">
+              <a:extLst>
+                <a:ext uri="{FF2B5EF4-FFF2-40B4-BE49-F238E27FC236}">
+                  <a16:creationId xmlns:a16="http://schemas.microsoft.com/office/drawing/2014/main" id="{3B895046-636F-4D1B-ACA4-29AA0CB3329F}"/>
+                </a:ext>
+                <a:ext uri="{C183D7F6-B498-43B3-948B-1728B52AA6E4}">
+                  <adec:decorative xmlns:adec="http://schemas.microsoft.com/office/drawing/2017/decorative" val="1"/>
+                </a:ext>
+              </a:extLst>
+            </p:cNvPr>
+            <p:cNvSpPr/>
+            <p:nvPr>
+              <p:extLst>
+                <p:ext uri="{386F3935-93C4-4BCD-93E2-E3B085C9AB24}">
+                  <p16:designElem xmlns:p16="http://schemas.microsoft.com/office/powerpoint/2015/main" val="1"/>
+                </p:ext>
+              </p:extLst>
+            </p:nvPr>
+          </p:nvSpPr>
+          <p:spPr>
+            <a:xfrm>
+              <a:off x="9603442" y="-8467"/>
+              <a:ext cx="2588558" cy="6866467"/>
+            </a:xfrm>
+            <a:custGeom>
+              <a:avLst/>
+              <a:gdLst/>
+              <a:ahLst/>
+              <a:cxnLst/>
+              <a:rect l="l" t="t" r="r" b="b"/>
+              <a:pathLst>
+                <a:path w="2573311" h="6866467">
+                  <a:moveTo>
+                    <a:pt x="0" y="0"/>
+                  </a:moveTo>
+                  <a:lnTo>
+                    <a:pt x="2573311" y="0"/>
+                  </a:lnTo>
+                  <a:lnTo>
+                    <a:pt x="2573311" y="6866467"/>
+                  </a:lnTo>
+                  <a:lnTo>
+                    <a:pt x="1202336" y="6866467"/>
+                  </a:lnTo>
+                  <a:lnTo>
+                    <a:pt x="0" y="0"/>
+                  </a:lnTo>
+                  <a:close/>
+                </a:path>
+              </a:pathLst>
+            </a:custGeom>
+            <a:solidFill>
+              <a:schemeClr val="accent1">
+                <a:alpha val="20000"/>
+              </a:schemeClr>
+            </a:solidFill>
+            <a:ln>
+              <a:noFill/>
+            </a:ln>
+            <a:effectLst/>
+          </p:spPr>
+          <p:style>
+            <a:lnRef idx="1">
+              <a:schemeClr val="accent1"/>
+            </a:lnRef>
+            <a:fillRef idx="3">
+              <a:schemeClr val="accent1"/>
+            </a:fillRef>
+            <a:effectRef idx="2">
+              <a:schemeClr val="accent1"/>
+            </a:effectRef>
+            <a:fontRef idx="minor">
+              <a:schemeClr val="lt1"/>
+            </a:fontRef>
+          </p:style>
+          <p:txBody>
+            <a:bodyPr/>
+            <a:lstStyle/>
+            <a:p>
+              <a:endParaRPr lang="hu-HU"/>
+            </a:p>
+          </p:txBody>
+        </p:sp>
+        <p:sp>
+          <p:nvSpPr>
+            <p:cNvPr id="30" name="Isosceles Triangle 29">
+              <a:extLst>
+                <a:ext uri="{FF2B5EF4-FFF2-40B4-BE49-F238E27FC236}">
+                  <a16:creationId xmlns:a16="http://schemas.microsoft.com/office/drawing/2014/main" id="{C6B0CDE3-E054-4EDD-A43B-F96843D8BF51}"/>
+                </a:ext>
+                <a:ext uri="{C183D7F6-B498-43B3-948B-1728B52AA6E4}">
+                  <adec:decorative xmlns:adec="http://schemas.microsoft.com/office/drawing/2017/decorative" val="1"/>
+                </a:ext>
+              </a:extLst>
+            </p:cNvPr>
+            <p:cNvSpPr/>
+            <p:nvPr>
+              <p:extLst>
+                <p:ext uri="{386F3935-93C4-4BCD-93E2-E3B085C9AB24}">
+                  <p16:designElem xmlns:p16="http://schemas.microsoft.com/office/powerpoint/2015/main" val="1"/>
+                </p:ext>
+              </p:extLst>
+            </p:nvPr>
+          </p:nvSpPr>
+          <p:spPr>
+            <a:xfrm>
+              <a:off x="8932333" y="3048000"/>
+              <a:ext cx="3259667" cy="3810000"/>
+            </a:xfrm>
+            <a:prstGeom prst="triangle">
+              <a:avLst>
+                <a:gd name="adj" fmla="val 100000"/>
+              </a:avLst>
+            </a:prstGeom>
+            <a:solidFill>
+              <a:schemeClr val="accent2">
+                <a:alpha val="72000"/>
+              </a:schemeClr>
+            </a:solidFill>
+            <a:ln>
+              <a:noFill/>
+            </a:ln>
+            <a:effectLst/>
+          </p:spPr>
+          <p:style>
+            <a:lnRef idx="1">
+              <a:schemeClr val="accent1"/>
+            </a:lnRef>
+            <a:fillRef idx="3">
+              <a:schemeClr val="accent1"/>
+            </a:fillRef>
+            <a:effectRef idx="2">
+              <a:schemeClr val="accent1"/>
+            </a:effectRef>
+            <a:fontRef idx="minor">
+              <a:schemeClr val="lt1"/>
+            </a:fontRef>
+          </p:style>
+          <p:txBody>
+            <a:bodyPr/>
+            <a:lstStyle/>
+            <a:p>
+              <a:endParaRPr lang="hu-HU"/>
+            </a:p>
+          </p:txBody>
+        </p:sp>
+        <p:sp>
+          <p:nvSpPr>
+            <p:cNvPr id="31" name="Rectangle 27">
+              <a:extLst>
+                <a:ext uri="{FF2B5EF4-FFF2-40B4-BE49-F238E27FC236}">
+                  <a16:creationId xmlns:a16="http://schemas.microsoft.com/office/drawing/2014/main" id="{3B66B1A2-F145-4C9B-85CC-4BF30D58CBC5}"/>
+                </a:ext>
+                <a:ext uri="{C183D7F6-B498-43B3-948B-1728B52AA6E4}">
+                  <adec:decorative xmlns:adec="http://schemas.microsoft.com/office/drawing/2017/decorative" val="1"/>
+                </a:ext>
+              </a:extLst>
+            </p:cNvPr>
+            <p:cNvSpPr/>
+            <p:nvPr>
+              <p:extLst>
+                <p:ext uri="{386F3935-93C4-4BCD-93E2-E3B085C9AB24}">
+                  <p16:designElem xmlns:p16="http://schemas.microsoft.com/office/powerpoint/2015/main" val="1"/>
+                </p:ext>
+              </p:extLst>
+            </p:nvPr>
+          </p:nvSpPr>
+          <p:spPr>
+            <a:xfrm>
+              <a:off x="9334500" y="-8467"/>
+              <a:ext cx="2854326" cy="6866467"/>
+            </a:xfrm>
+            <a:custGeom>
+              <a:avLst/>
+              <a:gdLst/>
+              <a:ahLst/>
+              <a:cxnLst/>
+              <a:rect l="l" t="t" r="r" b="b"/>
+              <a:pathLst>
+                <a:path w="2858013" h="6866467">
+                  <a:moveTo>
+                    <a:pt x="0" y="0"/>
+                  </a:moveTo>
+                  <a:lnTo>
+                    <a:pt x="2858013" y="0"/>
+                  </a:lnTo>
+                  <a:lnTo>
+                    <a:pt x="2858013" y="6866467"/>
+                  </a:lnTo>
+                  <a:lnTo>
+                    <a:pt x="2473942" y="6866467"/>
+                  </a:lnTo>
+                  <a:lnTo>
+                    <a:pt x="0" y="0"/>
+                  </a:lnTo>
+                  <a:close/>
+                </a:path>
+              </a:pathLst>
+            </a:custGeom>
+            <a:solidFill>
+              <a:schemeClr val="accent2">
+                <a:lumMod val="75000"/>
+                <a:alpha val="70000"/>
+              </a:schemeClr>
+            </a:solidFill>
+            <a:ln>
+              <a:noFill/>
+            </a:ln>
+            <a:effectLst/>
+          </p:spPr>
+          <p:style>
+            <a:lnRef idx="1">
+              <a:schemeClr val="accent1"/>
+            </a:lnRef>
+            <a:fillRef idx="3">
+              <a:schemeClr val="accent1"/>
+            </a:fillRef>
+            <a:effectRef idx="2">
+              <a:schemeClr val="accent1"/>
+            </a:effectRef>
+            <a:fontRef idx="minor">
+              <a:schemeClr val="lt1"/>
+            </a:fontRef>
+          </p:style>
+          <p:txBody>
+            <a:bodyPr/>
+            <a:lstStyle/>
+            <a:p>
+              <a:endParaRPr lang="hu-HU"/>
+            </a:p>
+          </p:txBody>
+        </p:sp>
+        <p:sp>
+          <p:nvSpPr>
+            <p:cNvPr id="32" name="Rectangle 28">
+              <a:extLst>
+                <a:ext uri="{FF2B5EF4-FFF2-40B4-BE49-F238E27FC236}">
+                  <a16:creationId xmlns:a16="http://schemas.microsoft.com/office/drawing/2014/main" id="{5D4FC972-94B3-4035-8D31-E668C132B411}"/>
+                </a:ext>
+                <a:ext uri="{C183D7F6-B498-43B3-948B-1728B52AA6E4}">
+                  <adec:decorative xmlns:adec="http://schemas.microsoft.com/office/drawing/2017/decorative" val="1"/>
+                </a:ext>
+              </a:extLst>
+            </p:cNvPr>
+            <p:cNvSpPr/>
+            <p:nvPr>
+              <p:extLst>
+                <p:ext uri="{386F3935-93C4-4BCD-93E2-E3B085C9AB24}">
+                  <p16:designElem xmlns:p16="http://schemas.microsoft.com/office/powerpoint/2015/main" val="1"/>
+                </p:ext>
+              </p:extLst>
+            </p:nvPr>
+          </p:nvSpPr>
+          <p:spPr>
+            <a:xfrm>
+              <a:off x="10898730" y="-8467"/>
+              <a:ext cx="1290094" cy="6866467"/>
+            </a:xfrm>
+            <a:custGeom>
+              <a:avLst/>
+              <a:gdLst/>
+              <a:ahLst/>
+              <a:cxnLst/>
+              <a:rect l="l" t="t" r="r" b="b"/>
+              <a:pathLst>
+                <a:path w="1290094" h="6858000">
+                  <a:moveTo>
+                    <a:pt x="1019735" y="0"/>
+                  </a:moveTo>
+                  <a:lnTo>
+                    <a:pt x="1290094" y="0"/>
+                  </a:lnTo>
+                  <a:lnTo>
+                    <a:pt x="1290094" y="6858000"/>
+                  </a:lnTo>
+                  <a:lnTo>
+                    <a:pt x="0" y="6858000"/>
+                  </a:lnTo>
+                  <a:lnTo>
+                    <a:pt x="1019735" y="0"/>
+                  </a:lnTo>
+                  <a:close/>
+                </a:path>
+              </a:pathLst>
+            </a:custGeom>
+            <a:solidFill>
+              <a:schemeClr val="accent1">
+                <a:lumMod val="60000"/>
+                <a:lumOff val="40000"/>
+                <a:alpha val="70000"/>
+              </a:schemeClr>
+            </a:solidFill>
+            <a:ln>
+              <a:noFill/>
+            </a:ln>
+            <a:effectLst/>
+          </p:spPr>
+          <p:style>
+            <a:lnRef idx="1">
+              <a:schemeClr val="accent1"/>
+            </a:lnRef>
+            <a:fillRef idx="3">
+              <a:schemeClr val="accent1"/>
+            </a:fillRef>
+            <a:effectRef idx="2">
+              <a:schemeClr val="accent1"/>
+            </a:effectRef>
+            <a:fontRef idx="minor">
+              <a:schemeClr val="lt1"/>
+            </a:fontRef>
+          </p:style>
+          <p:txBody>
+            <a:bodyPr/>
+            <a:lstStyle/>
+            <a:p>
+              <a:endParaRPr lang="hu-HU"/>
+            </a:p>
+          </p:txBody>
+        </p:sp>
+        <p:sp>
+          <p:nvSpPr>
+            <p:cNvPr id="33" name="Rectangle 29">
+              <a:extLst>
+                <a:ext uri="{FF2B5EF4-FFF2-40B4-BE49-F238E27FC236}">
+                  <a16:creationId xmlns:a16="http://schemas.microsoft.com/office/drawing/2014/main" id="{374B9941-AFBE-4A77-A50E-B6EA04A746AE}"/>
+                </a:ext>
+                <a:ext uri="{C183D7F6-B498-43B3-948B-1728B52AA6E4}">
+                  <adec:decorative xmlns:adec="http://schemas.microsoft.com/office/drawing/2017/decorative" val="1"/>
+                </a:ext>
+              </a:extLst>
+            </p:cNvPr>
+            <p:cNvSpPr/>
+            <p:nvPr>
+              <p:extLst>
+                <p:ext uri="{386F3935-93C4-4BCD-93E2-E3B085C9AB24}">
+                  <p16:designElem xmlns:p16="http://schemas.microsoft.com/office/powerpoint/2015/main" val="1"/>
+                </p:ext>
+              </p:extLst>
+            </p:nvPr>
+          </p:nvSpPr>
+          <p:spPr>
+            <a:xfrm>
+              <a:off x="10938999" y="-8467"/>
+              <a:ext cx="1249825" cy="6866467"/>
+            </a:xfrm>
+            <a:custGeom>
+              <a:avLst/>
+              <a:gdLst/>
+              <a:ahLst/>
+              <a:cxnLst/>
+              <a:rect l="l" t="t" r="r" b="b"/>
+              <a:pathLst>
+                <a:path w="1249825" h="6858000">
+                  <a:moveTo>
+                    <a:pt x="0" y="0"/>
+                  </a:moveTo>
+                  <a:lnTo>
+                    <a:pt x="1249825" y="0"/>
+                  </a:lnTo>
+                  <a:lnTo>
+                    <a:pt x="1249825" y="6858000"/>
+                  </a:lnTo>
+                  <a:lnTo>
+                    <a:pt x="1109382" y="6858000"/>
+                  </a:lnTo>
+                  <a:lnTo>
+                    <a:pt x="0" y="0"/>
+                  </a:lnTo>
+                  <a:close/>
+                </a:path>
+              </a:pathLst>
+            </a:custGeom>
+            <a:solidFill>
+              <a:schemeClr val="accent1">
+                <a:alpha val="65000"/>
+              </a:schemeClr>
+            </a:solidFill>
+            <a:ln>
+              <a:noFill/>
+            </a:ln>
+            <a:effectLst/>
+          </p:spPr>
+          <p:style>
+            <a:lnRef idx="1">
+              <a:schemeClr val="accent1"/>
+            </a:lnRef>
+            <a:fillRef idx="3">
+              <a:schemeClr val="accent1"/>
+            </a:fillRef>
+            <a:effectRef idx="2">
+              <a:schemeClr val="accent1"/>
+            </a:effectRef>
+            <a:fontRef idx="minor">
+              <a:schemeClr val="lt1"/>
+            </a:fontRef>
+          </p:style>
+          <p:txBody>
+            <a:bodyPr/>
+            <a:lstStyle/>
+            <a:p>
+              <a:endParaRPr lang="hu-HU"/>
+            </a:p>
+          </p:txBody>
+        </p:sp>
+        <p:sp>
+          <p:nvSpPr>
+            <p:cNvPr id="34" name="Isosceles Triangle 33">
+              <a:extLst>
+                <a:ext uri="{FF2B5EF4-FFF2-40B4-BE49-F238E27FC236}">
+                  <a16:creationId xmlns:a16="http://schemas.microsoft.com/office/drawing/2014/main" id="{27A982C5-2C38-4CE9-BC18-94697AD657FB}"/>
+                </a:ext>
+                <a:ext uri="{C183D7F6-B498-43B3-948B-1728B52AA6E4}">
+                  <adec:decorative xmlns:adec="http://schemas.microsoft.com/office/drawing/2017/decorative" val="1"/>
+                </a:ext>
+              </a:extLst>
+            </p:cNvPr>
+            <p:cNvSpPr/>
+            <p:nvPr>
+              <p:extLst>
+                <p:ext uri="{386F3935-93C4-4BCD-93E2-E3B085C9AB24}">
+                  <p16:designElem xmlns:p16="http://schemas.microsoft.com/office/powerpoint/2015/main" val="1"/>
+                </p:ext>
+              </p:extLst>
+            </p:nvPr>
+          </p:nvSpPr>
+          <p:spPr>
+            <a:xfrm>
+              <a:off x="10371666" y="3589867"/>
+              <a:ext cx="1817159" cy="3268133"/>
+            </a:xfrm>
+            <a:prstGeom prst="triangle">
+              <a:avLst>
+                <a:gd name="adj" fmla="val 100000"/>
+              </a:avLst>
+            </a:prstGeom>
+            <a:solidFill>
+              <a:schemeClr val="accent1">
+                <a:alpha val="80000"/>
+              </a:schemeClr>
+            </a:solidFill>
+            <a:ln>
+              <a:noFill/>
+            </a:ln>
+            <a:effectLst/>
+          </p:spPr>
+          <p:style>
+            <a:lnRef idx="1">
+              <a:schemeClr val="accent1"/>
+            </a:lnRef>
+            <a:fillRef idx="3">
+              <a:schemeClr val="accent1"/>
+            </a:fillRef>
+            <a:effectRef idx="2">
+              <a:schemeClr val="accent1"/>
+            </a:effectRef>
+            <a:fontRef idx="minor">
+              <a:schemeClr val="lt1"/>
+            </a:fontRef>
+          </p:style>
+          <p:txBody>
+            <a:bodyPr/>
+            <a:lstStyle/>
+            <a:p>
+              <a:endParaRPr lang="hu-HU"/>
+            </a:p>
+          </p:txBody>
+        </p:sp>
+        <p:sp>
+          <p:nvSpPr>
+            <p:cNvPr id="35" name="Isosceles Triangle 34">
+              <a:extLst>
+                <a:ext uri="{FF2B5EF4-FFF2-40B4-BE49-F238E27FC236}">
+                  <a16:creationId xmlns:a16="http://schemas.microsoft.com/office/drawing/2014/main" id="{0060D8D1-7BB1-498F-AFBB-ADAC130A9E90}"/>
+                </a:ext>
+                <a:ext uri="{C183D7F6-B498-43B3-948B-1728B52AA6E4}">
+                  <adec:decorative xmlns:adec="http://schemas.microsoft.com/office/drawing/2017/decorative" val="1"/>
+                </a:ext>
+              </a:extLst>
+            </p:cNvPr>
+            <p:cNvSpPr/>
+            <p:nvPr>
+              <p:extLst>
+                <p:ext uri="{386F3935-93C4-4BCD-93E2-E3B085C9AB24}">
+                  <p16:designElem xmlns:p16="http://schemas.microsoft.com/office/powerpoint/2015/main" val="1"/>
+                </p:ext>
+              </p:extLst>
+            </p:nvPr>
+          </p:nvSpPr>
+          <p:spPr>
+            <a:xfrm rot="10800000">
+              <a:off x="0" y="0"/>
+              <a:ext cx="842596" cy="5666154"/>
+            </a:xfrm>
+            <a:prstGeom prst="triangle">
+              <a:avLst>
+                <a:gd name="adj" fmla="val 100000"/>
+              </a:avLst>
+            </a:prstGeom>
+            <a:solidFill>
+              <a:schemeClr val="accent1">
+                <a:alpha val="85000"/>
+              </a:schemeClr>
+            </a:solidFill>
+            <a:ln>
+              <a:noFill/>
+            </a:ln>
+            <a:effectLst/>
+          </p:spPr>
+          <p:style>
+            <a:lnRef idx="1">
+              <a:schemeClr val="accent1"/>
+            </a:lnRef>
+            <a:fillRef idx="3">
+              <a:schemeClr val="accent1"/>
+            </a:fillRef>
+            <a:effectRef idx="2">
+              <a:schemeClr val="accent1"/>
+            </a:effectRef>
+            <a:fontRef idx="minor">
+              <a:schemeClr val="lt1"/>
+            </a:fontRef>
+          </p:style>
+          <p:txBody>
+            <a:bodyPr/>
+            <a:lstStyle/>
+            <a:p>
+              <a:endParaRPr lang="hu-HU"/>
+            </a:p>
+          </p:txBody>
+        </p:sp>
+      </p:grpSp>
+      <p:sp>
+        <p:nvSpPr>
+          <p:cNvPr id="2" name="Cím 1">
+            <a:extLst>
+              <a:ext uri="{FF2B5EF4-FFF2-40B4-BE49-F238E27FC236}">
+                <a16:creationId xmlns:a16="http://schemas.microsoft.com/office/drawing/2014/main" id="{591DEF42-8033-85FD-42CB-03BB6B02D041}"/>
+              </a:ext>
+            </a:extLst>
+          </p:cNvPr>
+          <p:cNvSpPr>
+            <a:spLocks noGrp="1"/>
+          </p:cNvSpPr>
+          <p:nvPr>
+            <p:ph type="title"/>
+          </p:nvPr>
+        </p:nvSpPr>
+        <p:spPr>
+          <a:xfrm>
+            <a:off x="985969" y="4553712"/>
+            <a:ext cx="8288032" cy="1096316"/>
+          </a:xfrm>
+        </p:spPr>
+        <p:txBody>
+          <a:bodyPr vert="horz" lIns="91440" tIns="45720" rIns="91440" bIns="45720" rtlCol="0" anchor="b">
+            <a:normAutofit/>
+          </a:bodyPr>
+          <a:lstStyle/>
+          <a:p>
+            <a:pPr algn="ctr"/>
+            <a:r>
+              <a:rPr lang="en-US" sz="4800" kern="1200">
+                <a:solidFill>
+                  <a:schemeClr val="accent1"/>
+                </a:solidFill>
+                <a:latin typeface="+mj-lt"/>
+                <a:ea typeface="+mj-ea"/>
+                <a:cs typeface="+mj-cs"/>
+              </a:rPr>
+              <a:t>Korrelációs Mátrix</a:t>
+            </a:r>
+          </a:p>
+        </p:txBody>
+      </p:sp>
+      <p:pic>
+        <p:nvPicPr>
+          <p:cNvPr id="5" name="Tartalom helye 4">
+            <a:extLst>
+              <a:ext uri="{FF2B5EF4-FFF2-40B4-BE49-F238E27FC236}">
+                <a16:creationId xmlns:a16="http://schemas.microsoft.com/office/drawing/2014/main" id="{AF686052-728D-5B40-3FA8-3CF01AECB9BA}"/>
+              </a:ext>
+            </a:extLst>
+          </p:cNvPr>
+          <p:cNvPicPr>
+            <a:picLocks noGrp="1" noChangeAspect="1"/>
+          </p:cNvPicPr>
+          <p:nvPr>
+            <p:ph idx="1"/>
+          </p:nvPr>
+        </p:nvPicPr>
+        <p:blipFill>
+          <a:blip r:embed="rId2"/>
+          <a:stretch>
+            <a:fillRect/>
+          </a:stretch>
+        </p:blipFill>
+        <p:spPr>
+          <a:xfrm>
+            <a:off x="985968" y="2410304"/>
+            <a:ext cx="8288033" cy="1823367"/>
+          </a:xfrm>
+          <a:prstGeom prst="rect">
+            <a:avLst/>
+          </a:prstGeom>
+        </p:spPr>
+      </p:pic>
+      <p:sp>
+        <p:nvSpPr>
+          <p:cNvPr id="6" name="Ellipszis 5">
+            <a:extLst>
+              <a:ext uri="{FF2B5EF4-FFF2-40B4-BE49-F238E27FC236}">
+                <a16:creationId xmlns:a16="http://schemas.microsoft.com/office/drawing/2014/main" id="{A95D3648-65CA-EA25-8E26-F918AB5DC67E}"/>
+              </a:ext>
+            </a:extLst>
+          </p:cNvPr>
+          <p:cNvSpPr/>
+          <p:nvPr/>
+        </p:nvSpPr>
+        <p:spPr>
+          <a:xfrm>
+            <a:off x="2639568" y="3589867"/>
+            <a:ext cx="890016" cy="317669"/>
+          </a:xfrm>
+          <a:prstGeom prst="ellipse">
+            <a:avLst/>
+          </a:prstGeom>
+          <a:noFill/>
+          <a:ln>
+            <a:solidFill>
+              <a:srgbClr val="C00000"/>
+            </a:solidFill>
+          </a:ln>
+        </p:spPr>
+        <p:style>
+          <a:lnRef idx="2">
+            <a:schemeClr val="accent1">
+              <a:shade val="15000"/>
+            </a:schemeClr>
+          </a:lnRef>
+          <a:fillRef idx="1">
+            <a:schemeClr val="accent1"/>
+          </a:fillRef>
+          <a:effectRef idx="0">
+            <a:schemeClr val="accent1"/>
+          </a:effectRef>
+          <a:fontRef idx="minor">
+            <a:schemeClr val="lt1"/>
+          </a:fontRef>
+        </p:style>
+        <p:txBody>
+          <a:bodyPr rtlCol="0" anchor="ctr"/>
+          <a:lstStyle/>
+          <a:p>
+            <a:pPr algn="ctr"/>
+            <a:endParaRPr lang="hu-HU"/>
+          </a:p>
+        </p:txBody>
+      </p:sp>
+      <p:sp>
+        <p:nvSpPr>
+          <p:cNvPr id="7" name="Ellipszis 6">
+            <a:extLst>
+              <a:ext uri="{FF2B5EF4-FFF2-40B4-BE49-F238E27FC236}">
+                <a16:creationId xmlns:a16="http://schemas.microsoft.com/office/drawing/2014/main" id="{D7B40449-CD87-D922-2241-0752116FC200}"/>
+              </a:ext>
+            </a:extLst>
+          </p:cNvPr>
+          <p:cNvSpPr/>
+          <p:nvPr/>
+        </p:nvSpPr>
+        <p:spPr>
+          <a:xfrm>
+            <a:off x="5650992" y="2606887"/>
+            <a:ext cx="890016" cy="317669"/>
+          </a:xfrm>
+          <a:prstGeom prst="ellipse">
+            <a:avLst/>
+          </a:prstGeom>
+          <a:noFill/>
+          <a:ln>
+            <a:solidFill>
+              <a:srgbClr val="C00000"/>
+            </a:solidFill>
+          </a:ln>
+        </p:spPr>
+        <p:style>
+          <a:lnRef idx="2">
+            <a:schemeClr val="accent1">
+              <a:shade val="15000"/>
+            </a:schemeClr>
+          </a:lnRef>
+          <a:fillRef idx="1">
+            <a:schemeClr val="accent1"/>
+          </a:fillRef>
+          <a:effectRef idx="0">
+            <a:schemeClr val="accent1"/>
+          </a:effectRef>
+          <a:fontRef idx="minor">
+            <a:schemeClr val="lt1"/>
+          </a:fontRef>
+        </p:style>
+        <p:txBody>
+          <a:bodyPr rtlCol="0" anchor="ctr"/>
+          <a:lstStyle/>
+          <a:p>
+            <a:pPr algn="ctr"/>
+            <a:endParaRPr lang="hu-HU"/>
+          </a:p>
+        </p:txBody>
+      </p:sp>
+    </p:spTree>
+    <p:extLst>
+      <p:ext uri="{BB962C8B-B14F-4D97-AF65-F5344CB8AC3E}">
+        <p14:creationId xmlns:p14="http://schemas.microsoft.com/office/powerpoint/2010/main" val="478959422"/>
+      </p:ext>
+    </p:extLst>
+  </p:cSld>
+  <p:clrMapOvr>
+    <a:masterClrMapping/>
+  </p:clrMapOvr>
+</p:sld>
+</file>
+
+<file path=ppt/slides/slide21.xml><?xml version="1.0" encoding="utf-8"?>
+<p:sld xmlns:a="http://schemas.openxmlformats.org/drawingml/2006/main" xmlns:r="http://schemas.openxmlformats.org/officeDocument/2006/relationships" xmlns:p="http://schemas.openxmlformats.org/presentationml/2006/main">
+  <p:cSld>
+    <p:bg>
+      <p:bgPr>
+        <a:solidFill>
+          <a:schemeClr val="bg1"/>
+        </a:solidFill>
+        <a:effectLst/>
+      </p:bgPr>
+    </p:bg>
+    <p:spTree>
+      <p:nvGrpSpPr>
+        <p:cNvPr id="1" name=""/>
+        <p:cNvGrpSpPr/>
+        <p:nvPr/>
+      </p:nvGrpSpPr>
+      <p:grpSpPr>
+        <a:xfrm>
+          <a:off x="0" y="0"/>
+          <a:ext cx="0" cy="0"/>
+          <a:chOff x="0" y="0"/>
+          <a:chExt cx="0" cy="0"/>
+        </a:xfrm>
+      </p:grpSpPr>
+      <p:grpSp>
+        <p:nvGrpSpPr>
+          <p:cNvPr id="25" name="Group 24">
             <a:extLst>
               <a:ext uri="{FF2B5EF4-FFF2-40B4-BE49-F238E27FC236}">
                 <a16:creationId xmlns:a16="http://schemas.microsoft.com/office/drawing/2014/main" id="{90A61547-2555-4DE2-A37F-A53E54917441}"/>
@@ -6970,7 +8759,7 @@
         </p:grpSpPr>
         <p:cxnSp>
           <p:nvCxnSpPr>
-            <p:cNvPr id="13" name="Straight Connector 12">
+            <p:cNvPr id="26" name="Straight Connector 25">
               <a:extLst>
                 <a:ext uri="{FF2B5EF4-FFF2-40B4-BE49-F238E27FC236}">
                   <a16:creationId xmlns:a16="http://schemas.microsoft.com/office/drawing/2014/main" id="{5C2447E0-8F0D-479C-94E4-82BC8EB68C0C}"/>
@@ -7022,7 +8811,7 @@
         </p:cxnSp>
         <p:cxnSp>
           <p:nvCxnSpPr>
-            <p:cNvPr id="14" name="Straight Connector 13">
+            <p:cNvPr id="27" name="Straight Connector 26">
               <a:extLst>
                 <a:ext uri="{FF2B5EF4-FFF2-40B4-BE49-F238E27FC236}">
                   <a16:creationId xmlns:a16="http://schemas.microsoft.com/office/drawing/2014/main" id="{1F943397-DCDD-44CB-BBA9-9510B7698DD2}"/>
@@ -7074,7 +8863,7 @@
         </p:cxnSp>
         <p:sp>
           <p:nvSpPr>
-            <p:cNvPr id="15" name="Rectangle 23">
+            <p:cNvPr id="28" name="Rectangle 23">
               <a:extLst>
                 <a:ext uri="{FF2B5EF4-FFF2-40B4-BE49-F238E27FC236}">
                   <a16:creationId xmlns:a16="http://schemas.microsoft.com/office/drawing/2014/main" id="{E2630ADC-31DB-4C48-AC4A-DAAE5A7B8EA6}"/>
@@ -7159,7 +8948,7 @@
         </p:sp>
         <p:sp>
           <p:nvSpPr>
-            <p:cNvPr id="16" name="Rectangle 25">
+            <p:cNvPr id="29" name="Rectangle 25">
               <a:extLst>
                 <a:ext uri="{FF2B5EF4-FFF2-40B4-BE49-F238E27FC236}">
                   <a16:creationId xmlns:a16="http://schemas.microsoft.com/office/drawing/2014/main" id="{2CA5C44E-F54E-47E0-8989-4D8686B33C80}"/>
@@ -7244,7 +9033,7 @@
         </p:sp>
         <p:sp>
           <p:nvSpPr>
-            <p:cNvPr id="17" name="Isosceles Triangle 16">
+            <p:cNvPr id="30" name="Isosceles Triangle 29">
               <a:extLst>
                 <a:ext uri="{FF2B5EF4-FFF2-40B4-BE49-F238E27FC236}">
                   <a16:creationId xmlns:a16="http://schemas.microsoft.com/office/drawing/2014/main" id="{FF54E15E-830B-4375-A239-4C51954DEAEC}"/>
@@ -7307,7 +9096,7 @@
         </p:sp>
         <p:sp>
           <p:nvSpPr>
-            <p:cNvPr id="18" name="Rectangle 27">
+            <p:cNvPr id="31" name="Rectangle 27">
               <a:extLst>
                 <a:ext uri="{FF2B5EF4-FFF2-40B4-BE49-F238E27FC236}">
                   <a16:creationId xmlns:a16="http://schemas.microsoft.com/office/drawing/2014/main" id="{CB37E322-FF7E-4872-BD6B-50A48CBEA5CE}"/>
@@ -7393,7 +9182,7 @@
         </p:sp>
         <p:sp>
           <p:nvSpPr>
-            <p:cNvPr id="19" name="Rectangle 28">
+            <p:cNvPr id="32" name="Rectangle 28">
               <a:extLst>
                 <a:ext uri="{FF2B5EF4-FFF2-40B4-BE49-F238E27FC236}">
                   <a16:creationId xmlns:a16="http://schemas.microsoft.com/office/drawing/2014/main" id="{710D0C1E-D2F8-45B2-AE14-1AC8E976F7A2}"/>
@@ -7480,7 +9269,7 @@
         </p:sp>
         <p:sp>
           <p:nvSpPr>
-            <p:cNvPr id="20" name="Rectangle 29">
+            <p:cNvPr id="33" name="Rectangle 29">
               <a:extLst>
                 <a:ext uri="{FF2B5EF4-FFF2-40B4-BE49-F238E27FC236}">
                   <a16:creationId xmlns:a16="http://schemas.microsoft.com/office/drawing/2014/main" id="{3216331B-17D0-4167-ABD2-B2198058C2D2}"/>
@@ -7565,7 +9354,7 @@
         </p:sp>
         <p:sp>
           <p:nvSpPr>
-            <p:cNvPr id="21" name="Isosceles Triangle 20">
+            <p:cNvPr id="34" name="Isosceles Triangle 33">
               <a:extLst>
                 <a:ext uri="{FF2B5EF4-FFF2-40B4-BE49-F238E27FC236}">
                   <a16:creationId xmlns:a16="http://schemas.microsoft.com/office/drawing/2014/main" id="{A53A7A96-3806-4BB3-91DE-6EED48AC787E}"/>
@@ -7628,7 +9417,7 @@
         </p:sp>
         <p:sp>
           <p:nvSpPr>
-            <p:cNvPr id="22" name="Isosceles Triangle 21">
+            <p:cNvPr id="35" name="Isosceles Triangle 34">
               <a:extLst>
                 <a:ext uri="{FF2B5EF4-FFF2-40B4-BE49-F238E27FC236}">
                   <a16:creationId xmlns:a16="http://schemas.microsoft.com/office/drawing/2014/main" id="{F8C2B86C-EE71-466E-8991-503F9C9C1B22}"/>
@@ -7690,12 +9479,83 @@
           </p:txBody>
         </p:sp>
       </p:grpSp>
+      <p:sp>
+        <p:nvSpPr>
+          <p:cNvPr id="2" name="Cím 1">
+            <a:extLst>
+              <a:ext uri="{FF2B5EF4-FFF2-40B4-BE49-F238E27FC236}">
+                <a16:creationId xmlns:a16="http://schemas.microsoft.com/office/drawing/2014/main" id="{3C132A77-62E9-DF7C-BECE-D63C009DF9DB}"/>
+              </a:ext>
+            </a:extLst>
+          </p:cNvPr>
+          <p:cNvSpPr>
+            <a:spLocks noGrp="1"/>
+          </p:cNvSpPr>
+          <p:nvPr>
+            <p:ph type="title"/>
+          </p:nvPr>
+        </p:nvSpPr>
+        <p:spPr>
+          <a:xfrm>
+            <a:off x="985968" y="4473226"/>
+            <a:ext cx="8288035" cy="1448906"/>
+          </a:xfrm>
+        </p:spPr>
+        <p:txBody>
+          <a:bodyPr vert="horz" lIns="91440" tIns="45720" rIns="91440" bIns="45720" rtlCol="0" anchor="b">
+            <a:normAutofit fontScale="90000"/>
+          </a:bodyPr>
+          <a:lstStyle/>
+          <a:p>
+            <a:pPr algn="ctr">
+              <a:lnSpc>
+                <a:spcPct val="90000"/>
+              </a:lnSpc>
+            </a:pPr>
+            <a:r>
+              <a:rPr lang="en-US" sz="3400" dirty="0"/>
+              <a:t>Lineáris Regresszió </a:t>
+            </a:r>
+            <a:r>
+              <a:rPr lang="en-US" sz="3400" dirty="0" err="1"/>
+              <a:t>és</a:t>
+            </a:r>
+            <a:r>
+              <a:rPr lang="en-US" sz="3400" dirty="0"/>
+              <a:t> </a:t>
+            </a:r>
+            <a:br>
+              <a:rPr lang="en-US" sz="3400" dirty="0"/>
+            </a:br>
+            <a:r>
+              <a:rPr lang="en-US" sz="3400" dirty="0" err="1"/>
+              <a:t>prediktált</a:t>
+            </a:r>
+            <a:r>
+              <a:rPr lang="en-US" sz="3400" dirty="0"/>
+              <a:t> </a:t>
+            </a:r>
+            <a:r>
+              <a:rPr lang="en-US" sz="3400" dirty="0" err="1"/>
+              <a:t>értékek</a:t>
+            </a:r>
+            <a:br>
+              <a:rPr lang="hu-HU" sz="3400" dirty="0"/>
+            </a:br>
+            <a:r>
+              <a:rPr lang="hu-HU" sz="3400" dirty="0"/>
+              <a:t>(kitekintés)</a:t>
+            </a:r>
+            <a:endParaRPr lang="en-US" sz="3400" dirty="0"/>
+          </a:p>
+        </p:txBody>
+      </p:sp>
       <p:pic>
         <p:nvPicPr>
           <p:cNvPr id="5" name="Tartalom helye 4">
             <a:extLst>
               <a:ext uri="{FF2B5EF4-FFF2-40B4-BE49-F238E27FC236}">
-                <a16:creationId xmlns:a16="http://schemas.microsoft.com/office/drawing/2014/main" id="{969F02E4-6743-4FEA-E284-CC22AE203FB8}"/>
+                <a16:creationId xmlns:a16="http://schemas.microsoft.com/office/drawing/2014/main" id="{AB269ACF-6689-360E-383F-67F50D84DB7E}"/>
               </a:ext>
             </a:extLst>
           </p:cNvPr>
@@ -7714,8 +9574,8 @@
         </p:blipFill>
         <p:spPr>
           <a:xfrm>
-            <a:off x="421298" y="762298"/>
-            <a:ext cx="6101891" cy="5064569"/>
+            <a:off x="1031841" y="934221"/>
+            <a:ext cx="3937965" cy="3317736"/>
           </a:xfrm>
           <a:prstGeom prst="rect">
             <a:avLst/>
@@ -7727,7 +9587,7 @@
           <p:cNvPr id="7" name="Kép 6">
             <a:extLst>
               <a:ext uri="{FF2B5EF4-FFF2-40B4-BE49-F238E27FC236}">
-                <a16:creationId xmlns:a16="http://schemas.microsoft.com/office/drawing/2014/main" id="{A3ED674A-5EEA-F4A9-53AD-0BF2C38E84AF}"/>
+                <a16:creationId xmlns:a16="http://schemas.microsoft.com/office/drawing/2014/main" id="{2608AD23-14A0-9FE6-5AAB-C9C94819909F}"/>
               </a:ext>
             </a:extLst>
           </p:cNvPr>
@@ -7744,8 +9604,8 @@
         </p:blipFill>
         <p:spPr>
           <a:xfrm>
-            <a:off x="6834273" y="762297"/>
-            <a:ext cx="3127369" cy="5064569"/>
+            <a:off x="5244284" y="935868"/>
+            <a:ext cx="4029717" cy="3314441"/>
           </a:xfrm>
           <a:prstGeom prst="rect">
             <a:avLst/>
@@ -7755,12 +9615,332 @@
     </p:spTree>
     <p:extLst>
       <p:ext uri="{BB962C8B-B14F-4D97-AF65-F5344CB8AC3E}">
+        <p14:creationId xmlns:p14="http://schemas.microsoft.com/office/powerpoint/2010/main" val="3352360683"/>
+      </p:ext>
+    </p:extLst>
+  </p:cSld>
+  <p:clrMapOvr>
+    <a:masterClrMapping/>
+  </p:clrMapOvr>
+</p:sld>
+</file>
+
+<file path=ppt/slides/slide22.xml><?xml version="1.0" encoding="utf-8"?>
+<p:sld xmlns:a="http://schemas.openxmlformats.org/drawingml/2006/main" xmlns:r="http://schemas.openxmlformats.org/officeDocument/2006/relationships" xmlns:p="http://schemas.openxmlformats.org/presentationml/2006/main">
+  <p:cSld>
+    <p:spTree>
+      <p:nvGrpSpPr>
+        <p:cNvPr id="1" name=""/>
+        <p:cNvGrpSpPr/>
+        <p:nvPr/>
+      </p:nvGrpSpPr>
+      <p:grpSpPr>
+        <a:xfrm>
+          <a:off x="0" y="0"/>
+          <a:ext cx="0" cy="0"/>
+          <a:chOff x="0" y="0"/>
+          <a:chExt cx="0" cy="0"/>
+        </a:xfrm>
+      </p:grpSpPr>
+      <p:sp>
+        <p:nvSpPr>
+          <p:cNvPr id="2" name="Cím 1">
+            <a:extLst>
+              <a:ext uri="{FF2B5EF4-FFF2-40B4-BE49-F238E27FC236}">
+                <a16:creationId xmlns:a16="http://schemas.microsoft.com/office/drawing/2014/main" id="{960AF745-BB7B-6F30-6F83-2EFCECDDEA9B}"/>
+              </a:ext>
+            </a:extLst>
+          </p:cNvPr>
+          <p:cNvSpPr>
+            <a:spLocks noGrp="1"/>
+          </p:cNvSpPr>
+          <p:nvPr>
+            <p:ph type="title"/>
+          </p:nvPr>
+        </p:nvSpPr>
+        <p:spPr/>
+        <p:txBody>
+          <a:bodyPr>
+            <a:normAutofit/>
+          </a:bodyPr>
+          <a:lstStyle/>
+          <a:p>
+            <a:r>
+              <a:rPr lang="hu-HU" sz="5000" dirty="0"/>
+              <a:t>Konklúzió</a:t>
+            </a:r>
+          </a:p>
+        </p:txBody>
+      </p:sp>
+      <p:sp>
+        <p:nvSpPr>
+          <p:cNvPr id="3" name="Tartalom helye 2">
+            <a:extLst>
+              <a:ext uri="{FF2B5EF4-FFF2-40B4-BE49-F238E27FC236}">
+                <a16:creationId xmlns:a16="http://schemas.microsoft.com/office/drawing/2014/main" id="{D209AD47-8D0C-C0FB-4400-468797EC9476}"/>
+              </a:ext>
+            </a:extLst>
+          </p:cNvPr>
+          <p:cNvSpPr>
+            <a:spLocks noGrp="1"/>
+          </p:cNvSpPr>
+          <p:nvPr>
+            <p:ph idx="1"/>
+          </p:nvPr>
+        </p:nvSpPr>
+        <p:spPr/>
+        <p:txBody>
+          <a:bodyPr/>
+          <a:lstStyle/>
+          <a:p>
+            <a:r>
+              <a:rPr lang="hu-HU" sz="3000" dirty="0"/>
+              <a:t>Befolyásolja-e a kiadó neve az eladásokat? Általában igen</a:t>
+            </a:r>
+          </a:p>
+          <a:p>
+            <a:r>
+              <a:rPr lang="hu-HU" sz="3000" dirty="0"/>
+              <a:t>Befolyásolja-e a vásárlókat a kritikusok véleménye?</a:t>
+            </a:r>
+            <a:br>
+              <a:rPr lang="hu-HU" sz="3000" dirty="0"/>
+            </a:br>
+            <a:r>
+              <a:rPr lang="hu-HU" sz="3000" dirty="0"/>
+              <a:t>Közepesen gyenge pozitív kapcsolat van közöttük</a:t>
+            </a:r>
+          </a:p>
+          <a:p>
+            <a:endParaRPr lang="hu-HU" dirty="0"/>
+          </a:p>
+        </p:txBody>
+      </p:sp>
+    </p:spTree>
+    <p:extLst>
+      <p:ext uri="{BB962C8B-B14F-4D97-AF65-F5344CB8AC3E}">
+        <p14:creationId xmlns:p14="http://schemas.microsoft.com/office/powerpoint/2010/main" val="4202012675"/>
+      </p:ext>
+    </p:extLst>
+  </p:cSld>
+  <p:clrMapOvr>
+    <a:masterClrMapping/>
+  </p:clrMapOvr>
+</p:sld>
+</file>
+
+<file path=ppt/slides/slide23.xml><?xml version="1.0" encoding="utf-8"?>
+<p:sld xmlns:a="http://schemas.openxmlformats.org/drawingml/2006/main" xmlns:r="http://schemas.openxmlformats.org/officeDocument/2006/relationships" xmlns:p="http://schemas.openxmlformats.org/presentationml/2006/main">
+  <p:cSld>
+    <p:spTree>
+      <p:nvGrpSpPr>
+        <p:cNvPr id="1" name=""/>
+        <p:cNvGrpSpPr/>
+        <p:nvPr/>
+      </p:nvGrpSpPr>
+      <p:grpSpPr>
+        <a:xfrm>
+          <a:off x="0" y="0"/>
+          <a:ext cx="0" cy="0"/>
+          <a:chOff x="0" y="0"/>
+          <a:chExt cx="0" cy="0"/>
+        </a:xfrm>
+      </p:grpSpPr>
+      <p:sp>
+        <p:nvSpPr>
+          <p:cNvPr id="2" name="Cím 1">
+            <a:extLst>
+              <a:ext uri="{FF2B5EF4-FFF2-40B4-BE49-F238E27FC236}">
+                <a16:creationId xmlns:a16="http://schemas.microsoft.com/office/drawing/2014/main" id="{8A197CA8-B4A6-B076-E290-991F0EA566F2}"/>
+              </a:ext>
+            </a:extLst>
+          </p:cNvPr>
+          <p:cNvSpPr>
+            <a:spLocks noGrp="1"/>
+          </p:cNvSpPr>
+          <p:nvPr>
+            <p:ph type="title"/>
+          </p:nvPr>
+        </p:nvSpPr>
+        <p:spPr>
+          <a:xfrm>
+            <a:off x="473053" y="2778866"/>
+            <a:ext cx="9507526" cy="2221149"/>
+          </a:xfrm>
+        </p:spPr>
+        <p:txBody>
+          <a:bodyPr>
+            <a:noAutofit/>
+          </a:bodyPr>
+          <a:lstStyle/>
+          <a:p>
+            <a:r>
+              <a:rPr lang="hu-HU" sz="7000" dirty="0"/>
+              <a:t>Köszönöm a figyelmet!</a:t>
+            </a:r>
+          </a:p>
+        </p:txBody>
+      </p:sp>
+    </p:spTree>
+    <p:extLst>
+      <p:ext uri="{BB962C8B-B14F-4D97-AF65-F5344CB8AC3E}">
+        <p14:creationId xmlns:p14="http://schemas.microsoft.com/office/powerpoint/2010/main" val="119560527"/>
+      </p:ext>
+    </p:extLst>
+  </p:cSld>
+  <p:clrMapOvr>
+    <a:masterClrMapping/>
+  </p:clrMapOvr>
+</p:sld>
+</file>
+
+<file path=ppt/slides/slide3.xml><?xml version="1.0" encoding="utf-8"?>
+<p:sld xmlns:a="http://schemas.openxmlformats.org/drawingml/2006/main" xmlns:r="http://schemas.openxmlformats.org/officeDocument/2006/relationships" xmlns:p="http://schemas.openxmlformats.org/presentationml/2006/main">
+  <p:cSld>
+    <p:bg>
+      <p:bgRef idx="1001">
+        <a:schemeClr val="bg1"/>
+      </p:bgRef>
+    </p:bg>
+    <p:spTree>
+      <p:nvGrpSpPr>
+        <p:cNvPr id="1" name=""/>
+        <p:cNvGrpSpPr/>
+        <p:nvPr/>
+      </p:nvGrpSpPr>
+      <p:grpSpPr>
+        <a:xfrm>
+          <a:off x="0" y="0"/>
+          <a:ext cx="0" cy="0"/>
+          <a:chOff x="0" y="0"/>
+          <a:chExt cx="0" cy="0"/>
+        </a:xfrm>
+      </p:grpSpPr>
+      <p:pic>
+        <p:nvPicPr>
+          <p:cNvPr id="6" name="Tartalom helye 5">
+            <a:extLst>
+              <a:ext uri="{FF2B5EF4-FFF2-40B4-BE49-F238E27FC236}">
+                <a16:creationId xmlns:a16="http://schemas.microsoft.com/office/drawing/2014/main" id="{C3A6AA65-69E1-7E54-0061-441581792AEB}"/>
+              </a:ext>
+            </a:extLst>
+          </p:cNvPr>
+          <p:cNvPicPr>
+            <a:picLocks noGrp="1" noChangeAspect="1"/>
+          </p:cNvPicPr>
+          <p:nvPr>
+            <p:ph idx="1"/>
+          </p:nvPr>
+        </p:nvPicPr>
+        <p:blipFill>
+          <a:blip r:embed="rId3"/>
+          <a:stretch>
+            <a:fillRect/>
+          </a:stretch>
+        </p:blipFill>
+        <p:spPr>
+          <a:xfrm>
+            <a:off x="1075027" y="1783090"/>
+            <a:ext cx="4209609" cy="4866309"/>
+          </a:xfrm>
+        </p:spPr>
+      </p:pic>
+      <p:pic>
+        <p:nvPicPr>
+          <p:cNvPr id="9" name="Kép 8">
+            <a:extLst>
+              <a:ext uri="{FF2B5EF4-FFF2-40B4-BE49-F238E27FC236}">
+                <a16:creationId xmlns:a16="http://schemas.microsoft.com/office/drawing/2014/main" id="{01918F0E-5BE4-75AA-8FD5-1F66146814C5}"/>
+              </a:ext>
+            </a:extLst>
+          </p:cNvPr>
+          <p:cNvPicPr>
+            <a:picLocks noChangeAspect="1"/>
+          </p:cNvPicPr>
+          <p:nvPr/>
+        </p:nvPicPr>
+        <p:blipFill>
+          <a:blip r:embed="rId4"/>
+          <a:stretch>
+            <a:fillRect/>
+          </a:stretch>
+        </p:blipFill>
+        <p:spPr>
+          <a:xfrm>
+            <a:off x="6352558" y="1790705"/>
+            <a:ext cx="4209608" cy="4858694"/>
+          </a:xfrm>
+          <a:prstGeom prst="rect">
+            <a:avLst/>
+          </a:prstGeom>
+        </p:spPr>
+      </p:pic>
+      <p:sp>
+        <p:nvSpPr>
+          <p:cNvPr id="10" name="Szövegdoboz 9">
+            <a:extLst>
+              <a:ext uri="{FF2B5EF4-FFF2-40B4-BE49-F238E27FC236}">
+                <a16:creationId xmlns:a16="http://schemas.microsoft.com/office/drawing/2014/main" id="{7A2CCC3F-1935-4D9B-6845-693B5ED4A333}"/>
+              </a:ext>
+            </a:extLst>
+          </p:cNvPr>
+          <p:cNvSpPr txBox="1"/>
+          <p:nvPr/>
+        </p:nvSpPr>
+        <p:spPr>
+          <a:xfrm>
+            <a:off x="3916751" y="664596"/>
+            <a:ext cx="4871614" cy="707886"/>
+          </a:xfrm>
+          <a:prstGeom prst="rect">
+            <a:avLst/>
+          </a:prstGeom>
+          <a:noFill/>
+        </p:spPr>
+        <p:txBody>
+          <a:bodyPr wrap="square" rtlCol="0">
+            <a:spAutoFit/>
+          </a:bodyPr>
+          <a:lstStyle/>
+          <a:p>
+            <a:r>
+              <a:rPr lang="hu-HU" sz="4000" dirty="0" err="1">
+                <a:solidFill>
+                  <a:schemeClr val="accent1"/>
+                </a:solidFill>
+                <a:latin typeface="+mj-lt"/>
+                <a:ea typeface="+mj-ea"/>
+                <a:cs typeface="+mj-cs"/>
+              </a:rPr>
+              <a:t>Process</a:t>
+            </a:r>
+            <a:r>
+              <a:rPr lang="hu-HU" sz="4000" dirty="0"/>
+              <a:t> </a:t>
+            </a:r>
+            <a:r>
+              <a:rPr lang="hu-HU" sz="4000" dirty="0">
+                <a:solidFill>
+                  <a:schemeClr val="accent1"/>
+                </a:solidFill>
+                <a:latin typeface="+mj-lt"/>
+                <a:ea typeface="+mj-ea"/>
+                <a:cs typeface="+mj-cs"/>
+              </a:rPr>
+              <a:t>flow</a:t>
+            </a:r>
+          </a:p>
+        </p:txBody>
+      </p:sp>
+    </p:spTree>
+    <p:extLst>
+      <p:ext uri="{BB962C8B-B14F-4D97-AF65-F5344CB8AC3E}">
         <p14:creationId xmlns:p14="http://schemas.microsoft.com/office/powerpoint/2010/main" val="1243602239"/>
       </p:ext>
     </p:extLst>
   </p:cSld>
   <p:clrMapOvr>
-    <a:masterClrMapping/>
+    <a:overrideClrMapping bg1="lt1" tx1="dk1" bg2="lt2" tx2="dk2" accent1="accent1" accent2="accent2" accent3="accent3" accent4="accent4" accent5="accent5" accent6="accent6" hlink="hlink" folHlink="folHlink"/>
   </p:clrMapOvr>
 </p:sld>
 </file>
@@ -8185,10 +10365,10 @@
       </p:pic>
       <p:pic>
         <p:nvPicPr>
-          <p:cNvPr id="7" name="Kép 6">
+          <p:cNvPr id="3" name="Kép 2">
             <a:extLst>
               <a:ext uri="{FF2B5EF4-FFF2-40B4-BE49-F238E27FC236}">
-                <a16:creationId xmlns:a16="http://schemas.microsoft.com/office/drawing/2014/main" id="{3124C319-65D7-5178-F023-FF7E43E88AA7}"/>
+                <a16:creationId xmlns:a16="http://schemas.microsoft.com/office/drawing/2014/main" id="{0A057147-4B88-18DE-6821-67A286233379}"/>
               </a:ext>
             </a:extLst>
           </p:cNvPr>
@@ -8205,8 +10385,8 @@
         </p:blipFill>
         <p:spPr>
           <a:xfrm>
-            <a:off x="6525625" y="1312607"/>
-            <a:ext cx="5543519" cy="4348891"/>
+            <a:off x="6850810" y="1312607"/>
+            <a:ext cx="5129497" cy="4222431"/>
           </a:xfrm>
           <a:prstGeom prst="rect">
             <a:avLst/>
@@ -8660,4 +10840,47 @@
     </a:ext>
   </a:extLst>
 </a:theme>
+</file>
+
+<file path=ppt/theme/themeOverride1.xml><?xml version="1.0" encoding="utf-8"?>
+<a:themeOverride xmlns:a="http://schemas.openxmlformats.org/drawingml/2006/main">
+  <a:clrScheme name="Dimenzió">
+    <a:dk1>
+      <a:sysClr val="windowText" lastClr="000000"/>
+    </a:dk1>
+    <a:lt1>
+      <a:sysClr val="window" lastClr="FFFFFF"/>
+    </a:lt1>
+    <a:dk2>
+      <a:srgbClr val="2C3C43"/>
+    </a:dk2>
+    <a:lt2>
+      <a:srgbClr val="EBEBEB"/>
+    </a:lt2>
+    <a:accent1>
+      <a:srgbClr val="90C226"/>
+    </a:accent1>
+    <a:accent2>
+      <a:srgbClr val="54A021"/>
+    </a:accent2>
+    <a:accent3>
+      <a:srgbClr val="E6B91E"/>
+    </a:accent3>
+    <a:accent4>
+      <a:srgbClr val="E76618"/>
+    </a:accent4>
+    <a:accent5>
+      <a:srgbClr val="C42F1A"/>
+    </a:accent5>
+    <a:accent6>
+      <a:srgbClr val="918655"/>
+    </a:accent6>
+    <a:hlink>
+      <a:srgbClr val="99CA3C"/>
+    </a:hlink>
+    <a:folHlink>
+      <a:srgbClr val="B9D181"/>
+    </a:folHlink>
+  </a:clrScheme>
+</a:themeOverride>
 </file>